--- a/Slides/Lesson 9.4 Testing Simple Objects.pptx
+++ b/Slides/Lesson 9.4 Testing Simple Objects.pptx
@@ -23,8 +23,8 @@
     <p:sldId id="382" r:id="rId14"/>
     <p:sldId id="407" r:id="rId15"/>
     <p:sldId id="408" r:id="rId16"/>
-    <p:sldId id="409" r:id="rId17"/>
-    <p:sldId id="410" r:id="rId18"/>
+    <p:sldId id="410" r:id="rId17"/>
+    <p:sldId id="409" r:id="rId18"/>
     <p:sldId id="411" r:id="rId19"/>
     <p:sldId id="412" r:id="rId20"/>
     <p:sldId id="385" r:id="rId21"/>
@@ -232,7 +232,7 @@
           <a:p>
             <a:fld id="{36D53524-F9CC-4A8B-8CCD-2FA372311425}" type="datetimeFigureOut">
               <a:rPr lang="en-US" smtClean="0"/>
-              <a:t>11/1/2015</a:t>
+              <a:t>11/4/2015</a:t>
             </a:fld>
             <a:endParaRPr lang="en-US"/>
           </a:p>
@@ -765,7 +765,7 @@
           <a:p>
             <a:fld id="{2F1F79F5-7BEC-496A-AFC7-876E38F64D71}" type="datetime1">
               <a:rPr lang="en-US" smtClean="0"/>
-              <a:t>11/1/2015</a:t>
+              <a:t>11/4/2015</a:t>
             </a:fld>
             <a:endParaRPr lang="en-US"/>
           </a:p>
@@ -890,7 +890,7 @@
           <a:p>
             <a:fld id="{2F7B77F5-1464-4F6B-92A8-64FC8A508293}" type="datetime1">
               <a:rPr lang="en-US" smtClean="0"/>
-              <a:t>11/1/2015</a:t>
+              <a:t>11/4/2015</a:t>
             </a:fld>
             <a:endParaRPr lang="en-US"/>
           </a:p>
@@ -992,7 +992,7 @@
           <a:p>
             <a:fld id="{0A05703A-7669-4FEA-9056-25299B4D29D4}" type="datetime1">
               <a:rPr lang="en-US" smtClean="0"/>
-              <a:t>11/1/2015</a:t>
+              <a:t>11/4/2015</a:t>
             </a:fld>
             <a:endParaRPr lang="en-US"/>
           </a:p>
@@ -1269,7 +1269,7 @@
           <a:p>
             <a:fld id="{6E5077B5-BB57-49DB-88CA-226A139E5C01}" type="datetime1">
               <a:rPr lang="en-US" smtClean="0"/>
-              <a:t>11/1/2015</a:t>
+              <a:t>11/4/2015</a:t>
             </a:fld>
             <a:endParaRPr lang="en-US"/>
           </a:p>
@@ -1522,7 +1522,7 @@
           <a:p>
             <a:fld id="{C48D9447-CBD6-49A1-89FD-8512A8CF8999}" type="datetime1">
               <a:rPr lang="en-US" smtClean="0"/>
-              <a:t>11/1/2015</a:t>
+              <a:t>11/4/2015</a:t>
             </a:fld>
             <a:endParaRPr lang="en-US"/>
           </a:p>
@@ -1692,7 +1692,7 @@
           <a:p>
             <a:fld id="{A3639A2A-823D-48B7-9ACE-7FAF42870BA9}" type="datetime1">
               <a:rPr lang="en-US" smtClean="0"/>
-              <a:t>11/1/2015</a:t>
+              <a:t>11/4/2015</a:t>
             </a:fld>
             <a:endParaRPr lang="en-US"/>
           </a:p>
@@ -1872,7 +1872,7 @@
           <a:p>
             <a:fld id="{ED1B6996-82E9-463C-972C-7B56056E426C}" type="datetime1">
               <a:rPr lang="en-US" smtClean="0"/>
-              <a:t>11/1/2015</a:t>
+              <a:t>11/4/2015</a:t>
             </a:fld>
             <a:endParaRPr lang="en-US"/>
           </a:p>
@@ -2055,7 +2055,7 @@
           <a:p>
             <a:fld id="{E22ED4DA-448D-4BB1-B935-CC112220207B}" type="datetime1">
               <a:rPr lang="en-US" smtClean="0"/>
-              <a:t>11/1/2015</a:t>
+              <a:t>11/4/2015</a:t>
             </a:fld>
             <a:endParaRPr lang="en-US"/>
           </a:p>
@@ -2237,7 +2237,7 @@
           <a:p>
             <a:fld id="{E22ED4DA-448D-4BB1-B935-CC112220207B}" type="datetime1">
               <a:rPr lang="en-US" smtClean="0"/>
-              <a:t>11/1/2015</a:t>
+              <a:t>11/4/2015</a:t>
             </a:fld>
             <a:endParaRPr lang="en-US"/>
           </a:p>
@@ -2506,7 +2506,7 @@
           <a:p>
             <a:fld id="{FF5D65A6-AB94-4435-B0B7-3743215FA46C}" type="datetime1">
               <a:rPr lang="en-US" smtClean="0"/>
-              <a:t>11/1/2015</a:t>
+              <a:t>11/4/2015</a:t>
             </a:fld>
             <a:endParaRPr lang="en-US"/>
           </a:p>
@@ -2691,7 +2691,7 @@
           <a:p>
             <a:fld id="{FF5D65A6-AB94-4435-B0B7-3743215FA46C}" type="datetime1">
               <a:rPr lang="en-US" smtClean="0"/>
-              <a:t>11/1/2015</a:t>
+              <a:t>11/4/2015</a:t>
             </a:fld>
             <a:endParaRPr lang="en-US"/>
           </a:p>
@@ -2993,7 +2993,7 @@
           <a:p>
             <a:fld id="{7C193DC4-6EF0-48C9-B29C-616106A645E1}" type="datetime1">
               <a:rPr lang="en-US" smtClean="0"/>
-              <a:t>11/1/2015</a:t>
+              <a:t>11/4/2015</a:t>
             </a:fld>
             <a:endParaRPr lang="en-US"/>
           </a:p>
@@ -3281,7 +3281,7 @@
           <a:p>
             <a:fld id="{5D1846AD-9252-4647-9435-4C2AC365653A}" type="datetime1">
               <a:rPr lang="en-US" smtClean="0"/>
-              <a:t>11/1/2015</a:t>
+              <a:t>11/4/2015</a:t>
             </a:fld>
             <a:endParaRPr lang="en-US"/>
           </a:p>
@@ -3577,7 +3577,7 @@
           <a:p>
             <a:fld id="{5D1846AD-9252-4647-9435-4C2AC365653A}" type="datetime1">
               <a:rPr lang="en-US" smtClean="0"/>
-              <a:t>11/1/2015</a:t>
+              <a:t>11/4/2015</a:t>
             </a:fld>
             <a:endParaRPr lang="en-US"/>
           </a:p>
@@ -3999,7 +3999,7 @@
           <a:p>
             <a:fld id="{CE56DC10-3561-4063-A6AF-C1CC7A41040A}" type="datetime1">
               <a:rPr lang="en-US" smtClean="0"/>
-              <a:t>11/1/2015</a:t>
+              <a:t>11/4/2015</a:t>
             </a:fld>
             <a:endParaRPr lang="en-US"/>
           </a:p>
@@ -4224,7 +4224,7 @@
           <a:p>
             <a:fld id="{02B3F677-983B-48DB-ADFD-63FE6CBC7FB2}" type="datetime1">
               <a:rPr lang="en-US" smtClean="0"/>
-              <a:t>11/1/2015</a:t>
+              <a:t>11/4/2015</a:t>
             </a:fld>
             <a:endParaRPr lang="en-US"/>
           </a:p>
@@ -4671,11 +4671,7 @@
           <a:p>
             <a:r>
               <a:rPr lang="en-US" dirty="0" smtClean="0"/>
-              <a:t>Lesson </a:t>
-            </a:r>
-            <a:r>
-              <a:rPr lang="en-US" dirty="0" smtClean="0"/>
-              <a:t>9.4</a:t>
+              <a:t>Lesson 9.4</a:t>
             </a:r>
             <a:endParaRPr lang="en-US" dirty="0"/>
           </a:p>
@@ -4779,7 +4775,6 @@
                 <a:rPr lang="en-US" sz="1000" dirty="0" smtClean="0"/>
                 <a:t>2012-2015</a:t>
               </a:r>
-              <a:endParaRPr lang="en-US" sz="1000" dirty="0" smtClean="0"/>
             </a:p>
             <a:p>
               <a:r>
@@ -5341,7 +5336,11 @@
             </a:pPr>
             <a:r>
               <a:rPr lang="en-US" sz="2400" dirty="0" smtClean="0"/>
-              <a:t>;; move-n : Robot&lt;%&gt; Nat -&gt; Robot&lt;%&gt;</a:t>
+              <a:t>;; </a:t>
+            </a:r>
+            <a:r>
+              <a:rPr lang="en-US" sz="2400" dirty="0" smtClean="0"/>
+              <a:t>move-right-by-distance </a:t>
             </a:r>
           </a:p>
           <a:p>
@@ -5352,7 +5351,15 @@
             </a:pPr>
             <a:r>
               <a:rPr lang="en-US" sz="2400" dirty="0" smtClean="0"/>
-              <a:t>(define (move-n r n)</a:t>
+              <a:t>;; </a:t>
+            </a:r>
+            <a:r>
+              <a:rPr lang="en-US" sz="2400" dirty="0" smtClean="0"/>
+              <a:t>: </a:t>
+            </a:r>
+            <a:r>
+              <a:rPr lang="en-US" sz="2400" dirty="0" smtClean="0"/>
+              <a:t>Robot&lt;%&gt; Nat -&gt; Robot&lt;%&gt;</a:t>
             </a:r>
           </a:p>
           <a:p>
@@ -5362,18 +5369,17 @@
               </a:spcBef>
             </a:pPr>
             <a:r>
-              <a:rPr lang="en-US" sz="2400" dirty="0"/>
-              <a:t> </a:t>
-            </a:r>
-            <a:r>
               <a:rPr lang="en-US" sz="2400" dirty="0" smtClean="0"/>
-              <a:t> (</a:t>
-            </a:r>
-            <a:r>
-              <a:rPr lang="en-US" sz="2400" dirty="0" err="1" smtClean="0"/>
-              <a:t>cond</a:t>
-            </a:r>
-            <a:endParaRPr lang="en-US" sz="2400" dirty="0" smtClean="0"/>
+              <a:t>(define (</a:t>
+            </a:r>
+            <a:r>
+              <a:rPr lang="en-US" sz="2400" dirty="0" smtClean="0"/>
+              <a:t>move-right-by-distance </a:t>
+            </a:r>
+            <a:r>
+              <a:rPr lang="en-US" sz="2400" dirty="0" smtClean="0"/>
+              <a:t>r n)</a:t>
+            </a:r>
           </a:p>
           <a:p>
             <a:pPr>
@@ -5387,8 +5393,13 @@
             </a:r>
             <a:r>
               <a:rPr lang="en-US" sz="2400" dirty="0" smtClean="0"/>
-              <a:t>   [(zero? n) r]</a:t>
-            </a:r>
+              <a:t> (</a:t>
+            </a:r>
+            <a:r>
+              <a:rPr lang="en-US" sz="2400" dirty="0" err="1" smtClean="0"/>
+              <a:t>cond</a:t>
+            </a:r>
+            <a:endParaRPr lang="en-US" sz="2400" dirty="0" smtClean="0"/>
           </a:p>
           <a:p>
             <a:pPr>
@@ -5402,8 +5413,28 @@
             </a:r>
             <a:r>
               <a:rPr lang="en-US" sz="2400" dirty="0" smtClean="0"/>
-              <a:t>   [else (move-n</a:t>
-            </a:r>
+              <a:t>   [(zero? n) r]</a:t>
+            </a:r>
+          </a:p>
+          <a:p>
+            <a:pPr>
+              <a:spcBef>
+                <a:spcPts val="0"/>
+              </a:spcBef>
+            </a:pPr>
+            <a:r>
+              <a:rPr lang="en-US" sz="2400" dirty="0"/>
+              <a:t> </a:t>
+            </a:r>
+            <a:r>
+              <a:rPr lang="en-US" sz="2400" dirty="0" smtClean="0"/>
+              <a:t>   [else (</a:t>
+            </a:r>
+            <a:r>
+              <a:rPr lang="en-US" sz="2400" dirty="0" smtClean="0"/>
+              <a:t>move-right-by-distance</a:t>
+            </a:r>
+            <a:endParaRPr lang="en-US" sz="2400" dirty="0" smtClean="0"/>
           </a:p>
           <a:p>
             <a:pPr>
@@ -5475,7 +5506,7 @@
         </p:nvSpPr>
         <p:spPr>
           <a:xfrm>
-            <a:off x="4956411" y="2110290"/>
+            <a:off x="271851" y="4930233"/>
             <a:ext cx="3616657" cy="1200329"/>
           </a:xfrm>
           <a:prstGeom prst="rect">
@@ -5528,8 +5559,8 @@
         </p:nvSpPr>
         <p:spPr>
           <a:xfrm>
-            <a:off x="1787856" y="4612943"/>
-            <a:ext cx="5568287" cy="1200329"/>
+            <a:off x="4226257" y="4918728"/>
+            <a:ext cx="4460544" cy="830997"/>
           </a:xfrm>
           <a:prstGeom prst="rect">
             <a:avLst/>
@@ -5567,7 +5598,7 @@
           <a:p>
             <a:pPr algn="l"/>
             <a:r>
-              <a:rPr lang="en-US" sz="3600" dirty="0" smtClean="0"/>
+              <a:rPr lang="en-US" sz="2400" dirty="0" smtClean="0"/>
               <a:t>Contracts should be in terms of interfaces, not classes.</a:t>
             </a:r>
           </a:p>
@@ -6023,11 +6054,7 @@
           <a:p>
             <a:r>
               <a:rPr lang="en-US" dirty="0" smtClean="0"/>
-              <a:t>In a test, we create a scenario and then check the observables of the final state</a:t>
-            </a:r>
-            <a:r>
-              <a:rPr lang="en-US" dirty="0" smtClean="0"/>
-              <a:t>.</a:t>
+              <a:t>In a test, we create a scenario and then check the observables of the final state.</a:t>
             </a:r>
           </a:p>
           <a:p>
@@ -6117,12 +6144,14 @@
         </p:nvSpPr>
         <p:spPr/>
         <p:txBody>
-          <a:bodyPr/>
-          <a:lstStyle/>
-          <a:p>
-            <a:r>
-              <a:rPr lang="en-US" dirty="0" smtClean="0"/>
-              <a:t>Example of a scenario</a:t>
+          <a:bodyPr>
+            <a:normAutofit fontScale="90000"/>
+          </a:bodyPr>
+          <a:lstStyle/>
+          <a:p>
+            <a:r>
+              <a:rPr lang="en-US" dirty="0" smtClean="0"/>
+              <a:t>You may need to add some observables for debugging</a:t>
             </a:r>
             <a:endParaRPr lang="en-US" dirty="0"/>
           </a:p>
@@ -6141,101 +6170,78 @@
         <p:spPr/>
         <p:txBody>
           <a:bodyPr>
-            <a:normAutofit fontScale="92500" lnSpcReduction="10000"/>
+            <a:normAutofit fontScale="92500"/>
           </a:bodyPr>
           <a:lstStyle/>
           <a:p>
             <a:r>
-              <a:rPr lang="en-US" sz="2800" dirty="0"/>
-              <a:t>(define w1 (make-world 5))</a:t>
-            </a:r>
-          </a:p>
-          <a:p>
-            <a:r>
-              <a:rPr lang="en-US" sz="2800" dirty="0"/>
-              <a:t>(define w2 (send w1 on-key "n</a:t>
-            </a:r>
-            <a:r>
-              <a:rPr lang="en-US" sz="2800" dirty="0" smtClean="0"/>
-              <a:t>"))</a:t>
-            </a:r>
-          </a:p>
-          <a:p>
-            <a:r>
-              <a:rPr lang="en-US" sz="2800" dirty="0" smtClean="0"/>
-              <a:t>(define w3 (send w2 on-key "n"))</a:t>
-            </a:r>
-          </a:p>
-          <a:p>
-            <a:r>
-              <a:rPr lang="en-US" sz="2800" dirty="0" smtClean="0"/>
-              <a:t>...</a:t>
-            </a:r>
-          </a:p>
-          <a:p>
-            <a:r>
-              <a:rPr lang="en-US" sz="2800" dirty="0" smtClean="0"/>
-              <a:t>(check-equal?</a:t>
-            </a:r>
-          </a:p>
-          <a:p>
-            <a:r>
-              <a:rPr lang="en-US" sz="2800" dirty="0"/>
+              <a:rPr lang="en-US" dirty="0" smtClean="0"/>
+              <a:t>The set of observer methods in the problem sets is purposely minimal, in order to give you the maximum freedom in implementing the objects.</a:t>
+            </a:r>
+          </a:p>
+          <a:p>
+            <a:r>
+              <a:rPr lang="en-US" dirty="0" smtClean="0"/>
+              <a:t>You may need to add some observation methods for your own testing</a:t>
+            </a:r>
+            <a:r>
+              <a:rPr lang="en-US" dirty="0"/>
               <a:t> </a:t>
             </a:r>
             <a:r>
-              <a:rPr lang="en-US" sz="2800" dirty="0" smtClean="0"/>
-              <a:t>  (length </a:t>
-            </a:r>
-          </a:p>
-          <a:p>
-            <a:r>
-              <a:rPr lang="en-US" sz="2800" dirty="0"/>
+              <a:rPr lang="en-US" dirty="0" smtClean="0"/>
+              <a:t>and debugging, so you can see what is going on inside your objects.</a:t>
+            </a:r>
+          </a:p>
+          <a:p>
+            <a:r>
+              <a:rPr lang="en-US" dirty="0" smtClean="0"/>
+              <a:t>That's ok, but give them names like </a:t>
+            </a:r>
+            <a:r>
+              <a:rPr lang="en-US" b="1" dirty="0" err="1" smtClean="0"/>
+              <a:t>for-test:whatever</a:t>
+            </a:r>
+            <a:r>
+              <a:rPr lang="en-US" b="1" dirty="0" smtClean="0"/>
               <a:t> </a:t>
             </a:r>
             <a:r>
-              <a:rPr lang="en-US" sz="2800" dirty="0" smtClean="0"/>
-              <a:t>   (send w3 </a:t>
-            </a:r>
-            <a:r>
-              <a:rPr lang="en-US" sz="2800" dirty="0" err="1" smtClean="0"/>
-              <a:t>for-test:world-rectangles</a:t>
-            </a:r>
-            <a:r>
-              <a:rPr lang="en-US" sz="2800" dirty="0" smtClean="0"/>
-              <a:t>))</a:t>
-            </a:r>
-          </a:p>
-          <a:p>
-            <a:r>
-              <a:rPr lang="en-US" sz="2800" dirty="0"/>
-              <a:t> </a:t>
-            </a:r>
-            <a:r>
-              <a:rPr lang="en-US" sz="2800" dirty="0" smtClean="0"/>
-              <a:t>   2</a:t>
-            </a:r>
-          </a:p>
-          <a:p>
-            <a:r>
-              <a:rPr lang="en-US" sz="2800" dirty="0"/>
-              <a:t> </a:t>
-            </a:r>
-            <a:r>
-              <a:rPr lang="en-US" sz="2800" dirty="0" smtClean="0"/>
-              <a:t>  "After 2 'n's, there should be two rectangles")</a:t>
-            </a:r>
-            <a:endParaRPr lang="en-US" sz="2800" dirty="0"/>
-          </a:p>
-          <a:p>
-            <a:endParaRPr lang="en-US" sz="2800" dirty="0"/>
+              <a:rPr lang="en-US" dirty="0" smtClean="0"/>
+              <a:t>and do NOT use them for any other purpose.</a:t>
+            </a:r>
+            <a:endParaRPr lang="en-US" dirty="0"/>
+          </a:p>
+        </p:txBody>
+      </p:sp>
+      <p:sp>
+        <p:nvSpPr>
+          <p:cNvPr id="2" name="Slide Number Placeholder 1"/>
+          <p:cNvSpPr>
+            <a:spLocks noGrp="1"/>
+          </p:cNvSpPr>
+          <p:nvPr>
+            <p:ph type="sldNum" sz="quarter" idx="12"/>
+          </p:nvPr>
+        </p:nvSpPr>
+        <p:spPr/>
+        <p:txBody>
+          <a:bodyPr/>
+          <a:lstStyle/>
+          <a:p>
+            <a:fld id="{B6F15528-21DE-4FAA-801E-634DDDAF4B2B}" type="slidenum">
+              <a:rPr lang="en-US" smtClean="0"/>
+              <a:pPr/>
+              <a:t>16</a:t>
+            </a:fld>
+            <a:endParaRPr lang="en-US"/>
           </a:p>
         </p:txBody>
       </p:sp>
     </p:spTree>
     <p:extLst>
       <p:ext uri="{BB962C8B-B14F-4D97-AF65-F5344CB8AC3E}">
-        <p14:creationId xmlns:p14="http://schemas.microsoft.com/office/powerpoint/2010/main" val="3333534032"/>
+        <p14:creationId xmlns:p14="http://schemas.microsoft.com/office/powerpoint/2010/main" val="2945695300"/>
       </p:ext>
     </p:extLst>
   </p:cSld>
@@ -6288,11 +6294,11 @@
           <a:p>
             <a:r>
               <a:rPr lang="en-US" dirty="0" smtClean="0"/>
-              <a:t>You may need to add some observables for </a:t>
-            </a:r>
-            <a:r>
-              <a:rPr lang="en-US" dirty="0" smtClean="0"/>
-              <a:t>debugging</a:t>
+              <a:t>Example of a </a:t>
+            </a:r>
+            <a:r>
+              <a:rPr lang="en-US" dirty="0" smtClean="0"/>
+              <a:t>scenario using a test method</a:t>
             </a:r>
             <a:endParaRPr lang="en-US" dirty="0"/>
           </a:p>
@@ -6311,78 +6317,101 @@
         <p:spPr/>
         <p:txBody>
           <a:bodyPr>
-            <a:normAutofit fontScale="92500"/>
+            <a:normAutofit fontScale="92500" lnSpcReduction="10000"/>
           </a:bodyPr>
           <a:lstStyle/>
           <a:p>
             <a:r>
-              <a:rPr lang="en-US" dirty="0" smtClean="0"/>
-              <a:t>The set of observer methods in the problem sets is purposely minimal, in order to give you the maximum freedom in implementing the objects.</a:t>
-            </a:r>
-          </a:p>
-          <a:p>
-            <a:r>
-              <a:rPr lang="en-US" dirty="0" smtClean="0"/>
-              <a:t>You may need to add some observation methods for your own testing</a:t>
-            </a:r>
-            <a:r>
-              <a:rPr lang="en-US" dirty="0"/>
+              <a:rPr lang="en-US" sz="2800" dirty="0"/>
+              <a:t>(define w1 (make-world 5))</a:t>
+            </a:r>
+          </a:p>
+          <a:p>
+            <a:r>
+              <a:rPr lang="en-US" sz="2800" dirty="0"/>
+              <a:t>(define w2 (send w1 on-key "n</a:t>
+            </a:r>
+            <a:r>
+              <a:rPr lang="en-US" sz="2800" dirty="0" smtClean="0"/>
+              <a:t>"))</a:t>
+            </a:r>
+          </a:p>
+          <a:p>
+            <a:r>
+              <a:rPr lang="en-US" sz="2800" dirty="0" smtClean="0"/>
+              <a:t>(define w3 (send w2 on-key "n"))</a:t>
+            </a:r>
+          </a:p>
+          <a:p>
+            <a:r>
+              <a:rPr lang="en-US" sz="2800" dirty="0" smtClean="0"/>
+              <a:t>...</a:t>
+            </a:r>
+          </a:p>
+          <a:p>
+            <a:r>
+              <a:rPr lang="en-US" sz="2800" dirty="0" smtClean="0"/>
+              <a:t>(check-equal?</a:t>
+            </a:r>
+          </a:p>
+          <a:p>
+            <a:r>
+              <a:rPr lang="en-US" sz="2800" dirty="0"/>
               <a:t> </a:t>
             </a:r>
             <a:r>
-              <a:rPr lang="en-US" dirty="0" smtClean="0"/>
-              <a:t>and debugging, so you can see what is going on inside your objects.</a:t>
-            </a:r>
-          </a:p>
-          <a:p>
-            <a:r>
-              <a:rPr lang="en-US" dirty="0" smtClean="0"/>
-              <a:t>That's ok, but give them names like </a:t>
-            </a:r>
-            <a:r>
-              <a:rPr lang="en-US" b="1" dirty="0" err="1" smtClean="0"/>
-              <a:t>for-test:classname-whatever</a:t>
-            </a:r>
-            <a:r>
-              <a:rPr lang="en-US" b="1" dirty="0" smtClean="0"/>
+              <a:rPr lang="en-US" sz="2800" dirty="0" smtClean="0"/>
+              <a:t>  (length </a:t>
+            </a:r>
+          </a:p>
+          <a:p>
+            <a:r>
+              <a:rPr lang="en-US" sz="2800" dirty="0"/>
               <a:t> </a:t>
             </a:r>
             <a:r>
-              <a:rPr lang="en-US" dirty="0" smtClean="0"/>
-              <a:t>and do NOT use them for any other purpose.</a:t>
-            </a:r>
-            <a:endParaRPr lang="en-US" dirty="0"/>
-          </a:p>
-        </p:txBody>
-      </p:sp>
-      <p:sp>
-        <p:nvSpPr>
-          <p:cNvPr id="2" name="Slide Number Placeholder 1"/>
-          <p:cNvSpPr>
-            <a:spLocks noGrp="1"/>
-          </p:cNvSpPr>
-          <p:nvPr>
-            <p:ph type="sldNum" sz="quarter" idx="12"/>
-          </p:nvPr>
-        </p:nvSpPr>
-        <p:spPr/>
-        <p:txBody>
-          <a:bodyPr/>
-          <a:lstStyle/>
-          <a:p>
-            <a:fld id="{B6F15528-21DE-4FAA-801E-634DDDAF4B2B}" type="slidenum">
-              <a:rPr lang="en-US" smtClean="0"/>
-              <a:pPr/>
-              <a:t>17</a:t>
-            </a:fld>
-            <a:endParaRPr lang="en-US"/>
+              <a:rPr lang="en-US" sz="2800" dirty="0" smtClean="0"/>
+              <a:t>   (send w3 </a:t>
+            </a:r>
+            <a:r>
+              <a:rPr lang="en-US" sz="2800" smtClean="0"/>
+              <a:t>for-test:rectangles</a:t>
+            </a:r>
+            <a:r>
+              <a:rPr lang="en-US" sz="2800" dirty="0" smtClean="0"/>
+              <a:t>))</a:t>
+            </a:r>
+          </a:p>
+          <a:p>
+            <a:r>
+              <a:rPr lang="en-US" sz="2800" dirty="0"/>
+              <a:t> </a:t>
+            </a:r>
+            <a:r>
+              <a:rPr lang="en-US" sz="2800" dirty="0" smtClean="0"/>
+              <a:t>   2</a:t>
+            </a:r>
+          </a:p>
+          <a:p>
+            <a:r>
+              <a:rPr lang="en-US" sz="2800" dirty="0"/>
+              <a:t> </a:t>
+            </a:r>
+            <a:r>
+              <a:rPr lang="en-US" sz="2800" dirty="0" smtClean="0"/>
+              <a:t>  "After 2 'n's, there should be two rectangles")</a:t>
+            </a:r>
+            <a:endParaRPr lang="en-US" sz="2800" dirty="0"/>
+          </a:p>
+          <a:p>
+            <a:endParaRPr lang="en-US" sz="2800" dirty="0"/>
           </a:p>
         </p:txBody>
       </p:sp>
     </p:spTree>
     <p:extLst>
       <p:ext uri="{BB962C8B-B14F-4D97-AF65-F5344CB8AC3E}">
-        <p14:creationId xmlns:p14="http://schemas.microsoft.com/office/powerpoint/2010/main" val="2945695300"/>
+        <p14:creationId xmlns:p14="http://schemas.microsoft.com/office/powerpoint/2010/main" val="3333534032"/>
       </p:ext>
     </p:extLst>
   </p:cSld>
@@ -6858,7 +6887,6 @@
               <a:rPr lang="en-US" dirty="0" smtClean="0"/>
               <a:t>observables are not fields</a:t>
             </a:r>
-            <a:endParaRPr lang="en-US" dirty="0" smtClean="0"/>
           </a:p>
           <a:p>
             <a:r>
@@ -6876,7 +6904,6 @@
               <a:rPr lang="en-US" b="1" dirty="0" smtClean="0"/>
               <a:t>equal?</a:t>
             </a:r>
-            <a:endParaRPr lang="en-US" b="1" dirty="0" smtClean="0"/>
           </a:p>
         </p:txBody>
       </p:sp>
@@ -6978,40 +7005,14 @@
           <a:p>
             <a:r>
               <a:rPr lang="en-US" dirty="0" smtClean="0"/>
-              <a:t>Usually, we’re </a:t>
-            </a:r>
-            <a:r>
-              <a:rPr lang="en-US" dirty="0" smtClean="0"/>
-              <a:t>not interested in whether we have the same </a:t>
-            </a:r>
-            <a:r>
-              <a:rPr lang="en-US" dirty="0" smtClean="0"/>
-              <a:t>object</a:t>
-            </a:r>
-            <a:r>
-              <a:rPr lang="en-US" dirty="0" smtClean="0"/>
-              <a:t>.  </a:t>
-            </a:r>
-            <a:endParaRPr lang="en-US" dirty="0" smtClean="0"/>
-          </a:p>
-          <a:p>
-            <a:r>
-              <a:rPr lang="en-US" dirty="0" smtClean="0"/>
-              <a:t>We just care that our new </a:t>
-            </a:r>
-            <a:r>
-              <a:rPr lang="en-US" dirty="0" smtClean="0"/>
-              <a:t>object has </a:t>
-            </a:r>
-            <a:r>
-              <a:rPr lang="en-US" dirty="0" smtClean="0"/>
-              <a:t>the right observable properties</a:t>
-            </a:r>
-            <a:r>
-              <a:rPr lang="en-US" dirty="0" smtClean="0"/>
-              <a:t>.</a:t>
-            </a:r>
-            <a:endParaRPr lang="en-US" dirty="0" smtClean="0"/>
+              <a:t>Usually, we’re not interested in whether we have the same object.  </a:t>
+            </a:r>
+          </a:p>
+          <a:p>
+            <a:r>
+              <a:rPr lang="en-US" dirty="0" smtClean="0"/>
+              <a:t>We just care that our new object has the right observable properties.</a:t>
+            </a:r>
           </a:p>
         </p:txBody>
       </p:sp>
@@ -7127,7 +7128,6 @@
               <a:rPr lang="en-US" dirty="0" smtClean="0"/>
               <a:t>observables are not fields</a:t>
             </a:r>
-            <a:endParaRPr lang="en-US" dirty="0" smtClean="0"/>
           </a:p>
           <a:p>
             <a:r>
@@ -7141,7 +7141,6 @@
               <a:rPr lang="en-US" dirty="0" smtClean="0"/>
               <a:t>problem set will specify the interfaces  that our tests rely on.</a:t>
             </a:r>
-            <a:endParaRPr lang="en-US" dirty="0" smtClean="0"/>
           </a:p>
           <a:p>
             <a:pPr lvl="1"/>
@@ -7280,15 +7279,7 @@
           <a:p>
             <a:r>
               <a:rPr lang="en-US" dirty="0" smtClean="0"/>
-              <a:t>Study example </a:t>
-            </a:r>
-            <a:r>
-              <a:rPr lang="en-US" dirty="0" smtClean="0"/>
-              <a:t>09-6-testing.rkt </a:t>
-            </a:r>
-            <a:r>
-              <a:rPr lang="en-US" dirty="0" smtClean="0"/>
-              <a:t>in the Examples folder.</a:t>
+              <a:t>Study example 09-6-testing.rkt in the Examples folder.</a:t>
             </a:r>
           </a:p>
           <a:p>
@@ -8476,11 +8467,7 @@
             </a:r>
             <a:r>
               <a:rPr lang="en-US" dirty="0" smtClean="0"/>
-              <a:t>Robot2% </a:t>
-            </a:r>
-            <a:r>
-              <a:rPr lang="en-US" dirty="0" smtClean="0"/>
-              <a:t>[</a:t>
+              <a:t>Robot2% [</a:t>
             </a:r>
             <a:r>
               <a:rPr lang="en-US" dirty="0" err="1" smtClean="0"/>

--- a/Slides/Lesson 9.4 Testing Simple Objects.pptx
+++ b/Slides/Lesson 9.4 Testing Simple Objects.pptx
@@ -232,7 +232,7 @@
           <a:p>
             <a:fld id="{36D53524-F9CC-4A8B-8CCD-2FA372311425}" type="datetimeFigureOut">
               <a:rPr lang="en-US" smtClean="0"/>
-              <a:t>11/4/2015</a:t>
+              <a:t>11/2/2016</a:t>
             </a:fld>
             <a:endParaRPr lang="en-US"/>
           </a:p>
@@ -296,38 +296,37 @@
           <a:p>
             <a:pPr lvl="0"/>
             <a:r>
-              <a:rPr lang="en-US" smtClean="0"/>
+              <a:rPr lang="en-US"/>
               <a:t>Click to edit Master text styles</a:t>
             </a:r>
           </a:p>
           <a:p>
             <a:pPr lvl="1"/>
             <a:r>
-              <a:rPr lang="en-US" smtClean="0"/>
+              <a:rPr lang="en-US"/>
               <a:t>Second level</a:t>
             </a:r>
           </a:p>
           <a:p>
             <a:pPr lvl="2"/>
             <a:r>
-              <a:rPr lang="en-US" smtClean="0"/>
+              <a:rPr lang="en-US"/>
               <a:t>Third level</a:t>
             </a:r>
           </a:p>
           <a:p>
             <a:pPr lvl="3"/>
             <a:r>
-              <a:rPr lang="en-US" smtClean="0"/>
+              <a:rPr lang="en-US"/>
               <a:t>Fourth level</a:t>
             </a:r>
           </a:p>
           <a:p>
             <a:pPr lvl="4"/>
             <a:r>
-              <a:rPr lang="en-US" smtClean="0"/>
+              <a:rPr lang="en-US"/>
               <a:t>Fifth level</a:t>
             </a:r>
-            <a:endParaRPr lang="en-US"/>
           </a:p>
         </p:txBody>
       </p:sp>
@@ -622,10 +621,9 @@
           <a:lstStyle/>
           <a:p>
             <a:r>
-              <a:rPr lang="en-US" smtClean="0"/>
+              <a:rPr lang="en-US"/>
               <a:t>Click to edit Master title style</a:t>
             </a:r>
-            <a:endParaRPr lang="en-US"/>
           </a:p>
         </p:txBody>
       </p:sp>
@@ -741,10 +739,9 @@
           </a:lstStyle>
           <a:p>
             <a:r>
-              <a:rPr lang="en-US" smtClean="0"/>
+              <a:rPr lang="en-US"/>
               <a:t>Click to edit Master subtitle style</a:t>
             </a:r>
-            <a:endParaRPr lang="en-US"/>
           </a:p>
         </p:txBody>
       </p:sp>
@@ -765,7 +762,7 @@
           <a:p>
             <a:fld id="{2F1F79F5-7BEC-496A-AFC7-876E38F64D71}" type="datetime1">
               <a:rPr lang="en-US" smtClean="0"/>
-              <a:t>11/4/2015</a:t>
+              <a:t>11/2/2016</a:t>
             </a:fld>
             <a:endParaRPr lang="en-US"/>
           </a:p>
@@ -823,13 +820,6 @@
   <p:clrMapOvr>
     <a:masterClrMapping/>
   </p:clrMapOvr>
-  <p:timing>
-    <p:tnLst>
-      <p:par>
-        <p:cTn id="1" dur="indefinite" restart="never" nodeType="tmRoot"/>
-      </p:par>
-    </p:tnLst>
-  </p:timing>
 </p:sldLayout>
 </file>
 
@@ -866,10 +856,9 @@
           <a:lstStyle/>
           <a:p>
             <a:r>
-              <a:rPr lang="en-US" smtClean="0"/>
+              <a:rPr lang="en-US"/>
               <a:t>Click to edit Master title style</a:t>
             </a:r>
-            <a:endParaRPr lang="en-US"/>
           </a:p>
         </p:txBody>
       </p:sp>
@@ -890,7 +879,7 @@
           <a:p>
             <a:fld id="{2F7B77F5-1464-4F6B-92A8-64FC8A508293}" type="datetime1">
               <a:rPr lang="en-US" smtClean="0"/>
-              <a:t>11/4/2015</a:t>
+              <a:t>11/2/2016</a:t>
             </a:fld>
             <a:endParaRPr lang="en-US"/>
           </a:p>
@@ -948,13 +937,6 @@
   <p:clrMapOvr>
     <a:masterClrMapping/>
   </p:clrMapOvr>
-  <p:timing>
-    <p:tnLst>
-      <p:par>
-        <p:cTn id="1" dur="indefinite" restart="never" nodeType="tmRoot"/>
-      </p:par>
-    </p:tnLst>
-  </p:timing>
 </p:sldLayout>
 </file>
 
@@ -992,7 +974,7 @@
           <a:p>
             <a:fld id="{0A05703A-7669-4FEA-9056-25299B4D29D4}" type="datetime1">
               <a:rPr lang="en-US" smtClean="0"/>
-              <a:t>11/4/2015</a:t>
+              <a:t>11/2/2016</a:t>
             </a:fld>
             <a:endParaRPr lang="en-US"/>
           </a:p>
@@ -1095,10 +1077,9 @@
           </a:lstStyle>
           <a:p>
             <a:r>
-              <a:rPr lang="en-US" smtClean="0"/>
+              <a:rPr lang="en-US"/>
               <a:t>Click to edit Master title style</a:t>
             </a:r>
-            <a:endParaRPr lang="en-US"/>
           </a:p>
         </p:txBody>
       </p:sp>
@@ -1152,38 +1133,37 @@
           <a:p>
             <a:pPr lvl="0"/>
             <a:r>
-              <a:rPr lang="en-US" smtClean="0"/>
+              <a:rPr lang="en-US"/>
               <a:t>Click to edit Master text styles</a:t>
             </a:r>
           </a:p>
           <a:p>
             <a:pPr lvl="1"/>
             <a:r>
-              <a:rPr lang="en-US" smtClean="0"/>
+              <a:rPr lang="en-US"/>
               <a:t>Second level</a:t>
             </a:r>
           </a:p>
           <a:p>
             <a:pPr lvl="2"/>
             <a:r>
-              <a:rPr lang="en-US" smtClean="0"/>
+              <a:rPr lang="en-US"/>
               <a:t>Third level</a:t>
             </a:r>
           </a:p>
           <a:p>
             <a:pPr lvl="3"/>
             <a:r>
-              <a:rPr lang="en-US" smtClean="0"/>
+              <a:rPr lang="en-US"/>
               <a:t>Fourth level</a:t>
             </a:r>
           </a:p>
           <a:p>
             <a:pPr lvl="4"/>
             <a:r>
-              <a:rPr lang="en-US" smtClean="0"/>
+              <a:rPr lang="en-US"/>
               <a:t>Fifth level</a:t>
             </a:r>
-            <a:endParaRPr lang="en-US"/>
           </a:p>
         </p:txBody>
       </p:sp>
@@ -1246,7 +1226,7 @@
           <a:p>
             <a:pPr lvl="0"/>
             <a:r>
-              <a:rPr lang="en-US" smtClean="0"/>
+              <a:rPr lang="en-US"/>
               <a:t>Click to edit Master text styles</a:t>
             </a:r>
           </a:p>
@@ -1269,7 +1249,7 @@
           <a:p>
             <a:fld id="{6E5077B5-BB57-49DB-88CA-226A139E5C01}" type="datetime1">
               <a:rPr lang="en-US" smtClean="0"/>
-              <a:t>11/4/2015</a:t>
+              <a:t>11/2/2016</a:t>
             </a:fld>
             <a:endParaRPr lang="en-US"/>
           </a:p>
@@ -1372,10 +1352,9 @@
           </a:lstStyle>
           <a:p>
             <a:r>
-              <a:rPr lang="en-US" smtClean="0"/>
+              <a:rPr lang="en-US"/>
               <a:t>Click to edit Master title style</a:t>
             </a:r>
-            <a:endParaRPr lang="en-US"/>
           </a:p>
         </p:txBody>
       </p:sp>
@@ -1499,7 +1478,7 @@
           <a:p>
             <a:pPr lvl="0"/>
             <a:r>
-              <a:rPr lang="en-US" smtClean="0"/>
+              <a:rPr lang="en-US"/>
               <a:t>Click to edit Master text styles</a:t>
             </a:r>
           </a:p>
@@ -1522,7 +1501,7 @@
           <a:p>
             <a:fld id="{C48D9447-CBD6-49A1-89FD-8512A8CF8999}" type="datetime1">
               <a:rPr lang="en-US" smtClean="0"/>
-              <a:t>11/4/2015</a:t>
+              <a:t>11/2/2016</a:t>
             </a:fld>
             <a:endParaRPr lang="en-US"/>
           </a:p>
@@ -1616,10 +1595,9 @@
           <a:lstStyle/>
           <a:p>
             <a:r>
-              <a:rPr lang="en-US" smtClean="0"/>
+              <a:rPr lang="en-US"/>
               <a:t>Click to edit Master title style</a:t>
             </a:r>
-            <a:endParaRPr lang="en-US"/>
           </a:p>
         </p:txBody>
       </p:sp>
@@ -1640,38 +1618,37 @@
           <a:p>
             <a:pPr lvl="0"/>
             <a:r>
-              <a:rPr lang="en-US" smtClean="0"/>
+              <a:rPr lang="en-US"/>
               <a:t>Click to edit Master text styles</a:t>
             </a:r>
           </a:p>
           <a:p>
             <a:pPr lvl="1"/>
             <a:r>
-              <a:rPr lang="en-US" smtClean="0"/>
+              <a:rPr lang="en-US"/>
               <a:t>Second level</a:t>
             </a:r>
           </a:p>
           <a:p>
             <a:pPr lvl="2"/>
             <a:r>
-              <a:rPr lang="en-US" smtClean="0"/>
+              <a:rPr lang="en-US"/>
               <a:t>Third level</a:t>
             </a:r>
           </a:p>
           <a:p>
             <a:pPr lvl="3"/>
             <a:r>
-              <a:rPr lang="en-US" smtClean="0"/>
+              <a:rPr lang="en-US"/>
               <a:t>Fourth level</a:t>
             </a:r>
           </a:p>
           <a:p>
             <a:pPr lvl="4"/>
             <a:r>
-              <a:rPr lang="en-US" smtClean="0"/>
+              <a:rPr lang="en-US"/>
               <a:t>Fifth level</a:t>
             </a:r>
-            <a:endParaRPr lang="en-US"/>
           </a:p>
         </p:txBody>
       </p:sp>
@@ -1692,7 +1669,7 @@
           <a:p>
             <a:fld id="{A3639A2A-823D-48B7-9ACE-7FAF42870BA9}" type="datetime1">
               <a:rPr lang="en-US" smtClean="0"/>
-              <a:t>11/4/2015</a:t>
+              <a:t>11/2/2016</a:t>
             </a:fld>
             <a:endParaRPr lang="en-US"/>
           </a:p>
@@ -1791,10 +1768,9 @@
           <a:lstStyle/>
           <a:p>
             <a:r>
-              <a:rPr lang="en-US" smtClean="0"/>
+              <a:rPr lang="en-US"/>
               <a:t>Click to edit Master title style</a:t>
             </a:r>
-            <a:endParaRPr lang="en-US"/>
           </a:p>
         </p:txBody>
       </p:sp>
@@ -1820,38 +1796,37 @@
           <a:p>
             <a:pPr lvl="0"/>
             <a:r>
-              <a:rPr lang="en-US" smtClean="0"/>
+              <a:rPr lang="en-US"/>
               <a:t>Click to edit Master text styles</a:t>
             </a:r>
           </a:p>
           <a:p>
             <a:pPr lvl="1"/>
             <a:r>
-              <a:rPr lang="en-US" smtClean="0"/>
+              <a:rPr lang="en-US"/>
               <a:t>Second level</a:t>
             </a:r>
           </a:p>
           <a:p>
             <a:pPr lvl="2"/>
             <a:r>
-              <a:rPr lang="en-US" smtClean="0"/>
+              <a:rPr lang="en-US"/>
               <a:t>Third level</a:t>
             </a:r>
           </a:p>
           <a:p>
             <a:pPr lvl="3"/>
             <a:r>
-              <a:rPr lang="en-US" smtClean="0"/>
+              <a:rPr lang="en-US"/>
               <a:t>Fourth level</a:t>
             </a:r>
           </a:p>
           <a:p>
             <a:pPr lvl="4"/>
             <a:r>
-              <a:rPr lang="en-US" smtClean="0"/>
+              <a:rPr lang="en-US"/>
               <a:t>Fifth level</a:t>
             </a:r>
-            <a:endParaRPr lang="en-US"/>
           </a:p>
         </p:txBody>
       </p:sp>
@@ -1872,7 +1847,7 @@
           <a:p>
             <a:fld id="{ED1B6996-82E9-463C-972C-7B56056E426C}" type="datetime1">
               <a:rPr lang="en-US" smtClean="0"/>
-              <a:t>11/4/2015</a:t>
+              <a:t>11/2/2016</a:t>
             </a:fld>
             <a:endParaRPr lang="en-US"/>
           </a:p>
@@ -1930,13 +1905,6 @@
   <p:clrMapOvr>
     <a:masterClrMapping/>
   </p:clrMapOvr>
-  <p:timing>
-    <p:tnLst>
-      <p:par>
-        <p:cTn id="1" dur="indefinite" restart="never" nodeType="tmRoot"/>
-      </p:par>
-    </p:tnLst>
-  </p:timing>
 </p:sldLayout>
 </file>
 
@@ -1979,10 +1947,9 @@
           <a:lstStyle/>
           <a:p>
             <a:r>
-              <a:rPr lang="en-US" dirty="0" smtClean="0"/>
+              <a:rPr lang="en-US" dirty="0"/>
               <a:t>Click to edit Master title style</a:t>
             </a:r>
-            <a:endParaRPr lang="en-US" dirty="0"/>
           </a:p>
         </p:txBody>
       </p:sp>
@@ -2003,38 +1970,37 @@
           <a:p>
             <a:pPr lvl="0"/>
             <a:r>
-              <a:rPr lang="en-US" smtClean="0"/>
+              <a:rPr lang="en-US"/>
               <a:t>Click to edit Master text styles</a:t>
             </a:r>
           </a:p>
           <a:p>
             <a:pPr lvl="1"/>
             <a:r>
-              <a:rPr lang="en-US" smtClean="0"/>
+              <a:rPr lang="en-US"/>
               <a:t>Second level</a:t>
             </a:r>
           </a:p>
           <a:p>
             <a:pPr lvl="2"/>
             <a:r>
-              <a:rPr lang="en-US" smtClean="0"/>
+              <a:rPr lang="en-US"/>
               <a:t>Third level</a:t>
             </a:r>
           </a:p>
           <a:p>
             <a:pPr lvl="3"/>
             <a:r>
-              <a:rPr lang="en-US" smtClean="0"/>
+              <a:rPr lang="en-US"/>
               <a:t>Fourth level</a:t>
             </a:r>
           </a:p>
           <a:p>
             <a:pPr lvl="4"/>
             <a:r>
-              <a:rPr lang="en-US" smtClean="0"/>
+              <a:rPr lang="en-US"/>
               <a:t>Fifth level</a:t>
             </a:r>
-            <a:endParaRPr lang="en-US"/>
           </a:p>
         </p:txBody>
       </p:sp>
@@ -2055,7 +2021,7 @@
           <a:p>
             <a:fld id="{E22ED4DA-448D-4BB1-B935-CC112220207B}" type="datetime1">
               <a:rPr lang="en-US" smtClean="0"/>
-              <a:t>11/4/2015</a:t>
+              <a:t>11/2/2016</a:t>
             </a:fld>
             <a:endParaRPr lang="en-US"/>
           </a:p>
@@ -2113,13 +2079,6 @@
   <p:clrMapOvr>
     <a:masterClrMapping/>
   </p:clrMapOvr>
-  <p:timing>
-    <p:tnLst>
-      <p:par>
-        <p:cTn id="1" dur="indefinite" restart="never" nodeType="tmRoot"/>
-      </p:par>
-    </p:tnLst>
-  </p:timing>
 </p:sldLayout>
 </file>
 
@@ -2156,10 +2115,9 @@
           <a:lstStyle/>
           <a:p>
             <a:r>
-              <a:rPr lang="en-US" smtClean="0"/>
+              <a:rPr lang="en-US"/>
               <a:t>Click to edit Master title style</a:t>
             </a:r>
-            <a:endParaRPr lang="en-US"/>
           </a:p>
         </p:txBody>
       </p:sp>
@@ -2185,38 +2143,37 @@
           <a:p>
             <a:pPr lvl="0"/>
             <a:r>
-              <a:rPr lang="en-US" dirty="0" smtClean="0"/>
+              <a:rPr lang="en-US" dirty="0"/>
               <a:t>Click to edit Master text styles</a:t>
             </a:r>
           </a:p>
           <a:p>
             <a:pPr lvl="1"/>
             <a:r>
-              <a:rPr lang="en-US" dirty="0" smtClean="0"/>
+              <a:rPr lang="en-US" dirty="0"/>
               <a:t>Second level</a:t>
             </a:r>
           </a:p>
           <a:p>
             <a:pPr lvl="2"/>
             <a:r>
-              <a:rPr lang="en-US" dirty="0" smtClean="0"/>
+              <a:rPr lang="en-US" dirty="0"/>
               <a:t>Third level</a:t>
             </a:r>
           </a:p>
           <a:p>
             <a:pPr lvl="3"/>
             <a:r>
-              <a:rPr lang="en-US" dirty="0" smtClean="0"/>
+              <a:rPr lang="en-US" dirty="0"/>
               <a:t>Fourth level</a:t>
             </a:r>
           </a:p>
           <a:p>
             <a:pPr lvl="4"/>
             <a:r>
-              <a:rPr lang="en-US" dirty="0" smtClean="0"/>
+              <a:rPr lang="en-US" dirty="0"/>
               <a:t>Fifth level</a:t>
             </a:r>
-            <a:endParaRPr lang="en-US" dirty="0"/>
           </a:p>
         </p:txBody>
       </p:sp>
@@ -2237,7 +2194,7 @@
           <a:p>
             <a:fld id="{E22ED4DA-448D-4BB1-B935-CC112220207B}" type="datetime1">
               <a:rPr lang="en-US" smtClean="0"/>
-              <a:t>11/4/2015</a:t>
+              <a:t>11/2/2016</a:t>
             </a:fld>
             <a:endParaRPr lang="en-US"/>
           </a:p>
@@ -2327,7 +2284,7 @@
           <a:lstStyle/>
           <a:p>
             <a:pPr algn="ctr"/>
-            <a:endParaRPr lang="en-US" dirty="0" smtClean="0">
+            <a:endParaRPr lang="en-US" dirty="0">
               <a:solidFill>
                 <a:schemeClr val="tx1"/>
               </a:solidFill>
@@ -2358,11 +2315,11 @@
           <a:lstStyle/>
           <a:p>
             <a:r>
-              <a:rPr lang="en-US" dirty="0" smtClean="0"/>
+              <a:rPr lang="en-US" dirty="0"/>
               <a:t>Resize video to this</a:t>
             </a:r>
             <a:r>
-              <a:rPr lang="en-US" baseline="0" dirty="0" smtClean="0"/>
+              <a:rPr lang="en-US" baseline="0" dirty="0"/>
               <a:t> box.</a:t>
             </a:r>
             <a:endParaRPr lang="en-US" dirty="0"/>
@@ -2379,13 +2336,6 @@
   <p:clrMapOvr>
     <a:masterClrMapping/>
   </p:clrMapOvr>
-  <p:timing>
-    <p:tnLst>
-      <p:par>
-        <p:cTn id="1" dur="indefinite" restart="never" nodeType="tmRoot"/>
-      </p:par>
-    </p:tnLst>
-  </p:timing>
 </p:sldLayout>
 </file>
 
@@ -2422,10 +2372,9 @@
           <a:lstStyle/>
           <a:p>
             <a:r>
-              <a:rPr lang="en-US" smtClean="0"/>
+              <a:rPr lang="en-US"/>
               <a:t>Click to edit Master title style</a:t>
             </a:r>
-            <a:endParaRPr lang="en-US"/>
           </a:p>
         </p:txBody>
       </p:sp>
@@ -2454,38 +2403,37 @@
           <a:p>
             <a:pPr lvl="0"/>
             <a:r>
-              <a:rPr lang="en-US" dirty="0" smtClean="0"/>
+              <a:rPr lang="en-US" dirty="0"/>
               <a:t>Click to edit Master text styles</a:t>
             </a:r>
           </a:p>
           <a:p>
             <a:pPr lvl="1"/>
             <a:r>
-              <a:rPr lang="en-US" dirty="0" smtClean="0"/>
+              <a:rPr lang="en-US" dirty="0"/>
               <a:t>Second level</a:t>
             </a:r>
           </a:p>
           <a:p>
             <a:pPr lvl="2"/>
             <a:r>
-              <a:rPr lang="en-US" dirty="0" smtClean="0"/>
+              <a:rPr lang="en-US" dirty="0"/>
               <a:t>Third level</a:t>
             </a:r>
           </a:p>
           <a:p>
             <a:pPr lvl="3"/>
             <a:r>
-              <a:rPr lang="en-US" dirty="0" smtClean="0"/>
+              <a:rPr lang="en-US" dirty="0"/>
               <a:t>Fourth level</a:t>
             </a:r>
           </a:p>
           <a:p>
             <a:pPr lvl="4"/>
             <a:r>
-              <a:rPr lang="en-US" dirty="0" smtClean="0"/>
+              <a:rPr lang="en-US" dirty="0"/>
               <a:t>Fifth level</a:t>
             </a:r>
-            <a:endParaRPr lang="en-US" dirty="0"/>
           </a:p>
         </p:txBody>
       </p:sp>
@@ -2506,7 +2454,7 @@
           <a:p>
             <a:fld id="{FF5D65A6-AB94-4435-B0B7-3743215FA46C}" type="datetime1">
               <a:rPr lang="en-US" smtClean="0"/>
-              <a:t>11/4/2015</a:t>
+              <a:t>11/2/2016</a:t>
             </a:fld>
             <a:endParaRPr lang="en-US"/>
           </a:p>
@@ -2564,13 +2512,6 @@
   <p:clrMapOvr>
     <a:masterClrMapping/>
   </p:clrMapOvr>
-  <p:timing>
-    <p:tnLst>
-      <p:par>
-        <p:cTn id="1" dur="indefinite" restart="never" nodeType="tmRoot"/>
-      </p:par>
-    </p:tnLst>
-  </p:timing>
 </p:sldLayout>
 </file>
 
@@ -2607,10 +2548,9 @@
           <a:lstStyle/>
           <a:p>
             <a:r>
-              <a:rPr lang="en-US" smtClean="0"/>
+              <a:rPr lang="en-US"/>
               <a:t>Click to edit Master title style</a:t>
             </a:r>
-            <a:endParaRPr lang="en-US"/>
           </a:p>
         </p:txBody>
       </p:sp>
@@ -2639,38 +2579,37 @@
           <a:p>
             <a:pPr lvl="0"/>
             <a:r>
-              <a:rPr lang="en-US" dirty="0" smtClean="0"/>
+              <a:rPr lang="en-US" dirty="0"/>
               <a:t>Click to edit Master text styles</a:t>
             </a:r>
           </a:p>
           <a:p>
             <a:pPr lvl="1"/>
             <a:r>
-              <a:rPr lang="en-US" dirty="0" smtClean="0"/>
+              <a:rPr lang="en-US" dirty="0"/>
               <a:t>Second level</a:t>
             </a:r>
           </a:p>
           <a:p>
             <a:pPr lvl="2"/>
             <a:r>
-              <a:rPr lang="en-US" dirty="0" smtClean="0"/>
+              <a:rPr lang="en-US" dirty="0"/>
               <a:t>Third level</a:t>
             </a:r>
           </a:p>
           <a:p>
             <a:pPr lvl="3"/>
             <a:r>
-              <a:rPr lang="en-US" dirty="0" smtClean="0"/>
+              <a:rPr lang="en-US" dirty="0"/>
               <a:t>Fourth level</a:t>
             </a:r>
           </a:p>
           <a:p>
             <a:pPr lvl="4"/>
             <a:r>
-              <a:rPr lang="en-US" dirty="0" smtClean="0"/>
+              <a:rPr lang="en-US" dirty="0"/>
               <a:t>Fifth level</a:t>
             </a:r>
-            <a:endParaRPr lang="en-US" dirty="0"/>
           </a:p>
         </p:txBody>
       </p:sp>
@@ -2691,7 +2630,7 @@
           <a:p>
             <a:fld id="{FF5D65A6-AB94-4435-B0B7-3743215FA46C}" type="datetime1">
               <a:rPr lang="en-US" smtClean="0"/>
-              <a:t>11/4/2015</a:t>
+              <a:t>11/2/2016</a:t>
             </a:fld>
             <a:endParaRPr lang="en-US"/>
           </a:p>
@@ -2798,13 +2737,6 @@
   <p:clrMapOvr>
     <a:masterClrMapping/>
   </p:clrMapOvr>
-  <p:timing>
-    <p:tnLst>
-      <p:par>
-        <p:cTn id="1" dur="indefinite" restart="never" nodeType="tmRoot"/>
-      </p:par>
-    </p:tnLst>
-  </p:timing>
 </p:sldLayout>
 </file>
 
@@ -2850,10 +2782,9 @@
           </a:lstStyle>
           <a:p>
             <a:r>
-              <a:rPr lang="en-US" smtClean="0"/>
+              <a:rPr lang="en-US"/>
               <a:t>Click to edit Master title style</a:t>
             </a:r>
-            <a:endParaRPr lang="en-US"/>
           </a:p>
         </p:txBody>
       </p:sp>
@@ -2970,7 +2901,7 @@
           <a:p>
             <a:pPr lvl="0"/>
             <a:r>
-              <a:rPr lang="en-US" smtClean="0"/>
+              <a:rPr lang="en-US"/>
               <a:t>Click to edit Master text styles</a:t>
             </a:r>
           </a:p>
@@ -2993,7 +2924,7 @@
           <a:p>
             <a:fld id="{7C193DC4-6EF0-48C9-B29C-616106A645E1}" type="datetime1">
               <a:rPr lang="en-US" smtClean="0"/>
-              <a:t>11/4/2015</a:t>
+              <a:t>11/2/2016</a:t>
             </a:fld>
             <a:endParaRPr lang="en-US"/>
           </a:p>
@@ -3087,10 +3018,9 @@
           <a:lstStyle/>
           <a:p>
             <a:r>
-              <a:rPr lang="en-US" smtClean="0"/>
+              <a:rPr lang="en-US"/>
               <a:t>Click to edit Master title style</a:t>
             </a:r>
-            <a:endParaRPr lang="en-US"/>
           </a:p>
         </p:txBody>
       </p:sp>
@@ -3144,38 +3074,37 @@
           <a:p>
             <a:pPr lvl="0"/>
             <a:r>
-              <a:rPr lang="en-US" smtClean="0"/>
+              <a:rPr lang="en-US"/>
               <a:t>Click to edit Master text styles</a:t>
             </a:r>
           </a:p>
           <a:p>
             <a:pPr lvl="1"/>
             <a:r>
-              <a:rPr lang="en-US" smtClean="0"/>
+              <a:rPr lang="en-US"/>
               <a:t>Second level</a:t>
             </a:r>
           </a:p>
           <a:p>
             <a:pPr lvl="2"/>
             <a:r>
-              <a:rPr lang="en-US" smtClean="0"/>
+              <a:rPr lang="en-US"/>
               <a:t>Third level</a:t>
             </a:r>
           </a:p>
           <a:p>
             <a:pPr lvl="3"/>
             <a:r>
-              <a:rPr lang="en-US" smtClean="0"/>
+              <a:rPr lang="en-US"/>
               <a:t>Fourth level</a:t>
             </a:r>
           </a:p>
           <a:p>
             <a:pPr lvl="4"/>
             <a:r>
-              <a:rPr lang="en-US" smtClean="0"/>
+              <a:rPr lang="en-US"/>
               <a:t>Fifth level</a:t>
             </a:r>
-            <a:endParaRPr lang="en-US"/>
           </a:p>
         </p:txBody>
       </p:sp>
@@ -3229,38 +3158,37 @@
           <a:p>
             <a:pPr lvl="0"/>
             <a:r>
-              <a:rPr lang="en-US" smtClean="0"/>
+              <a:rPr lang="en-US"/>
               <a:t>Click to edit Master text styles</a:t>
             </a:r>
           </a:p>
           <a:p>
             <a:pPr lvl="1"/>
             <a:r>
-              <a:rPr lang="en-US" smtClean="0"/>
+              <a:rPr lang="en-US"/>
               <a:t>Second level</a:t>
             </a:r>
           </a:p>
           <a:p>
             <a:pPr lvl="2"/>
             <a:r>
-              <a:rPr lang="en-US" smtClean="0"/>
+              <a:rPr lang="en-US"/>
               <a:t>Third level</a:t>
             </a:r>
           </a:p>
           <a:p>
             <a:pPr lvl="3"/>
             <a:r>
-              <a:rPr lang="en-US" smtClean="0"/>
+              <a:rPr lang="en-US"/>
               <a:t>Fourth level</a:t>
             </a:r>
           </a:p>
           <a:p>
             <a:pPr lvl="4"/>
             <a:r>
-              <a:rPr lang="en-US" smtClean="0"/>
+              <a:rPr lang="en-US"/>
               <a:t>Fifth level</a:t>
             </a:r>
-            <a:endParaRPr lang="en-US"/>
           </a:p>
         </p:txBody>
       </p:sp>
@@ -3281,7 +3209,7 @@
           <a:p>
             <a:fld id="{5D1846AD-9252-4647-9435-4C2AC365653A}" type="datetime1">
               <a:rPr lang="en-US" smtClean="0"/>
-              <a:t>11/4/2015</a:t>
+              <a:t>11/2/2016</a:t>
             </a:fld>
             <a:endParaRPr lang="en-US"/>
           </a:p>
@@ -3375,10 +3303,9 @@
           <a:lstStyle/>
           <a:p>
             <a:r>
-              <a:rPr lang="en-US" smtClean="0"/>
+              <a:rPr lang="en-US"/>
               <a:t>Click to edit Master title style</a:t>
             </a:r>
-            <a:endParaRPr lang="en-US"/>
           </a:p>
         </p:txBody>
       </p:sp>
@@ -3436,38 +3363,37 @@
           <a:p>
             <a:pPr lvl="0"/>
             <a:r>
-              <a:rPr lang="en-US" dirty="0" smtClean="0"/>
+              <a:rPr lang="en-US" dirty="0"/>
               <a:t>Click to edit Master text styles</a:t>
             </a:r>
           </a:p>
           <a:p>
             <a:pPr lvl="1"/>
             <a:r>
-              <a:rPr lang="en-US" dirty="0" smtClean="0"/>
+              <a:rPr lang="en-US" dirty="0"/>
               <a:t>Second level</a:t>
             </a:r>
           </a:p>
           <a:p>
             <a:pPr lvl="2"/>
             <a:r>
-              <a:rPr lang="en-US" dirty="0" smtClean="0"/>
+              <a:rPr lang="en-US" dirty="0"/>
               <a:t>Third level</a:t>
             </a:r>
           </a:p>
           <a:p>
             <a:pPr lvl="3"/>
             <a:r>
-              <a:rPr lang="en-US" dirty="0" smtClean="0"/>
+              <a:rPr lang="en-US" dirty="0"/>
               <a:t>Fourth level</a:t>
             </a:r>
           </a:p>
           <a:p>
             <a:pPr lvl="4"/>
             <a:r>
-              <a:rPr lang="en-US" dirty="0" smtClean="0"/>
+              <a:rPr lang="en-US" dirty="0"/>
               <a:t>Fifth level</a:t>
             </a:r>
-            <a:endParaRPr lang="en-US" dirty="0"/>
           </a:p>
         </p:txBody>
       </p:sp>
@@ -3525,38 +3451,37 @@
           <a:p>
             <a:pPr lvl="0"/>
             <a:r>
-              <a:rPr lang="en-US" dirty="0" smtClean="0"/>
+              <a:rPr lang="en-US" dirty="0"/>
               <a:t>Click to edit Master text styles</a:t>
             </a:r>
           </a:p>
           <a:p>
             <a:pPr lvl="1"/>
             <a:r>
-              <a:rPr lang="en-US" dirty="0" smtClean="0"/>
+              <a:rPr lang="en-US" dirty="0"/>
               <a:t>Second level</a:t>
             </a:r>
           </a:p>
           <a:p>
             <a:pPr lvl="2"/>
             <a:r>
-              <a:rPr lang="en-US" dirty="0" smtClean="0"/>
+              <a:rPr lang="en-US" dirty="0"/>
               <a:t>Third level</a:t>
             </a:r>
           </a:p>
           <a:p>
             <a:pPr lvl="3"/>
             <a:r>
-              <a:rPr lang="en-US" dirty="0" smtClean="0"/>
+              <a:rPr lang="en-US" dirty="0"/>
               <a:t>Fourth level</a:t>
             </a:r>
           </a:p>
           <a:p>
             <a:pPr lvl="4"/>
             <a:r>
-              <a:rPr lang="en-US" dirty="0" smtClean="0"/>
+              <a:rPr lang="en-US" dirty="0"/>
               <a:t>Fifth level</a:t>
             </a:r>
-            <a:endParaRPr lang="en-US" dirty="0"/>
           </a:p>
         </p:txBody>
       </p:sp>
@@ -3577,7 +3502,7 @@
           <a:p>
             <a:fld id="{5D1846AD-9252-4647-9435-4C2AC365653A}" type="datetime1">
               <a:rPr lang="en-US" smtClean="0"/>
-              <a:t>11/4/2015</a:t>
+              <a:t>11/2/2016</a:t>
             </a:fld>
             <a:endParaRPr lang="en-US"/>
           </a:p>
@@ -3675,10 +3600,9 @@
           </a:lstStyle>
           <a:p>
             <a:r>
-              <a:rPr lang="en-US" smtClean="0"/>
+              <a:rPr lang="en-US"/>
               <a:t>Click to edit Master title style</a:t>
             </a:r>
-            <a:endParaRPr lang="en-US"/>
           </a:p>
         </p:txBody>
       </p:sp>
@@ -3741,7 +3665,7 @@
           <a:p>
             <a:pPr lvl="0"/>
             <a:r>
-              <a:rPr lang="en-US" smtClean="0"/>
+              <a:rPr lang="en-US"/>
               <a:t>Click to edit Master text styles</a:t>
             </a:r>
           </a:p>
@@ -3797,38 +3721,37 @@
           <a:p>
             <a:pPr lvl="0"/>
             <a:r>
-              <a:rPr lang="en-US" smtClean="0"/>
+              <a:rPr lang="en-US"/>
               <a:t>Click to edit Master text styles</a:t>
             </a:r>
           </a:p>
           <a:p>
             <a:pPr lvl="1"/>
             <a:r>
-              <a:rPr lang="en-US" smtClean="0"/>
+              <a:rPr lang="en-US"/>
               <a:t>Second level</a:t>
             </a:r>
           </a:p>
           <a:p>
             <a:pPr lvl="2"/>
             <a:r>
-              <a:rPr lang="en-US" smtClean="0"/>
+              <a:rPr lang="en-US"/>
               <a:t>Third level</a:t>
             </a:r>
           </a:p>
           <a:p>
             <a:pPr lvl="3"/>
             <a:r>
-              <a:rPr lang="en-US" smtClean="0"/>
+              <a:rPr lang="en-US"/>
               <a:t>Fourth level</a:t>
             </a:r>
           </a:p>
           <a:p>
             <a:pPr lvl="4"/>
             <a:r>
-              <a:rPr lang="en-US" smtClean="0"/>
+              <a:rPr lang="en-US"/>
               <a:t>Fifth level</a:t>
             </a:r>
-            <a:endParaRPr lang="en-US"/>
           </a:p>
         </p:txBody>
       </p:sp>
@@ -3891,7 +3814,7 @@
           <a:p>
             <a:pPr lvl="0"/>
             <a:r>
-              <a:rPr lang="en-US" smtClean="0"/>
+              <a:rPr lang="en-US"/>
               <a:t>Click to edit Master text styles</a:t>
             </a:r>
           </a:p>
@@ -3947,38 +3870,37 @@
           <a:p>
             <a:pPr lvl="0"/>
             <a:r>
-              <a:rPr lang="en-US" smtClean="0"/>
+              <a:rPr lang="en-US"/>
               <a:t>Click to edit Master text styles</a:t>
             </a:r>
           </a:p>
           <a:p>
             <a:pPr lvl="1"/>
             <a:r>
-              <a:rPr lang="en-US" smtClean="0"/>
+              <a:rPr lang="en-US"/>
               <a:t>Second level</a:t>
             </a:r>
           </a:p>
           <a:p>
             <a:pPr lvl="2"/>
             <a:r>
-              <a:rPr lang="en-US" smtClean="0"/>
+              <a:rPr lang="en-US"/>
               <a:t>Third level</a:t>
             </a:r>
           </a:p>
           <a:p>
             <a:pPr lvl="3"/>
             <a:r>
-              <a:rPr lang="en-US" smtClean="0"/>
+              <a:rPr lang="en-US"/>
               <a:t>Fourth level</a:t>
             </a:r>
           </a:p>
           <a:p>
             <a:pPr lvl="4"/>
             <a:r>
-              <a:rPr lang="en-US" smtClean="0"/>
+              <a:rPr lang="en-US"/>
               <a:t>Fifth level</a:t>
             </a:r>
-            <a:endParaRPr lang="en-US"/>
           </a:p>
         </p:txBody>
       </p:sp>
@@ -3999,7 +3921,7 @@
           <a:p>
             <a:fld id="{CE56DC10-3561-4063-A6AF-C1CC7A41040A}" type="datetime1">
               <a:rPr lang="en-US" smtClean="0"/>
-              <a:t>11/4/2015</a:t>
+              <a:t>11/2/2016</a:t>
             </a:fld>
             <a:endParaRPr lang="en-US"/>
           </a:p>
@@ -4120,10 +4042,9 @@
           <a:lstStyle/>
           <a:p>
             <a:r>
-              <a:rPr lang="en-US" smtClean="0"/>
+              <a:rPr lang="en-US"/>
               <a:t>Click to edit Master title style</a:t>
             </a:r>
-            <a:endParaRPr lang="en-US"/>
           </a:p>
         </p:txBody>
       </p:sp>
@@ -4154,38 +4075,37 @@
           <a:p>
             <a:pPr lvl="0"/>
             <a:r>
-              <a:rPr lang="en-US" smtClean="0"/>
+              <a:rPr lang="en-US"/>
               <a:t>Click to edit Master text styles</a:t>
             </a:r>
           </a:p>
           <a:p>
             <a:pPr lvl="1"/>
             <a:r>
-              <a:rPr lang="en-US" smtClean="0"/>
+              <a:rPr lang="en-US"/>
               <a:t>Second level</a:t>
             </a:r>
           </a:p>
           <a:p>
             <a:pPr lvl="2"/>
             <a:r>
-              <a:rPr lang="en-US" smtClean="0"/>
+              <a:rPr lang="en-US"/>
               <a:t>Third level</a:t>
             </a:r>
           </a:p>
           <a:p>
             <a:pPr lvl="3"/>
             <a:r>
-              <a:rPr lang="en-US" smtClean="0"/>
+              <a:rPr lang="en-US"/>
               <a:t>Fourth level</a:t>
             </a:r>
           </a:p>
           <a:p>
             <a:pPr lvl="4"/>
             <a:r>
-              <a:rPr lang="en-US" smtClean="0"/>
+              <a:rPr lang="en-US"/>
               <a:t>Fifth level</a:t>
             </a:r>
-            <a:endParaRPr lang="en-US"/>
           </a:p>
         </p:txBody>
       </p:sp>
@@ -4224,7 +4144,7 @@
           <a:p>
             <a:fld id="{02B3F677-983B-48DB-ADFD-63FE6CBC7FB2}" type="datetime1">
               <a:rPr lang="en-US" smtClean="0"/>
-              <a:t>11/4/2015</a:t>
+              <a:t>11/2/2016</a:t>
             </a:fld>
             <a:endParaRPr lang="en-US"/>
           </a:p>
@@ -4333,13 +4253,6 @@
     <p:sldLayoutId id="2147483675" r:id="rId14"/>
     <p:sldLayoutId id="2147483676" r:id="rId15"/>
   </p:sldLayoutIdLst>
-  <p:timing>
-    <p:tnLst>
-      <p:par>
-        <p:cTn id="1" dur="indefinite" restart="never" nodeType="tmRoot"/>
-      </p:par>
-    </p:tnLst>
-  </p:timing>
   <p:hf hdr="0" ftr="0" dt="0"/>
   <p:txStyles>
     <p:titleStyle>
@@ -4627,10 +4540,9 @@
           <a:lstStyle/>
           <a:p>
             <a:r>
-              <a:rPr lang="en-US" dirty="0" smtClean="0"/>
+              <a:rPr lang="en-US" dirty="0"/>
               <a:t>Testing Objects</a:t>
             </a:r>
-            <a:endParaRPr lang="en-US" dirty="0"/>
           </a:p>
         </p:txBody>
       </p:sp>
@@ -4650,30 +4562,29 @@
           <a:lstStyle/>
           <a:p>
             <a:r>
-              <a:rPr lang="en-US" dirty="0" smtClean="0"/>
+              <a:rPr lang="en-US" dirty="0"/>
               <a:t>CS 5010 Program Design Paradigms</a:t>
             </a:r>
           </a:p>
           <a:p>
             <a:r>
-              <a:rPr lang="en-US" dirty="0" smtClean="0"/>
+              <a:rPr lang="en-US" dirty="0"/>
               <a:t>"</a:t>
             </a:r>
             <a:r>
-              <a:rPr lang="en-US" dirty="0" err="1" smtClean="0"/>
+              <a:rPr lang="en-US" dirty="0" err="1"/>
               <a:t>Bootcamp</a:t>
             </a:r>
             <a:r>
-              <a:rPr lang="en-US" dirty="0" smtClean="0"/>
+              <a:rPr lang="en-US" dirty="0"/>
               <a:t>"</a:t>
             </a:r>
           </a:p>
           <a:p>
             <a:r>
-              <a:rPr lang="en-US" dirty="0" smtClean="0"/>
+              <a:rPr lang="en-US" dirty="0"/>
               <a:t>Lesson 9.4</a:t>
             </a:r>
-            <a:endParaRPr lang="en-US" dirty="0"/>
           </a:p>
         </p:txBody>
       </p:sp>
@@ -4769,27 +4680,13 @@
             <a:p>
               <a:r>
                 <a:rPr lang="en-US" sz="1000" dirty="0"/>
-                <a:t>© Mitchell Wand, </a:t>
-              </a:r>
-              <a:r>
-                <a:rPr lang="en-US" sz="1000" dirty="0" smtClean="0"/>
-                <a:t>2012-2015</a:t>
+                <a:t>© Mitchell Wand, 2012-2016</a:t>
               </a:r>
             </a:p>
             <a:p>
               <a:r>
-                <a:rPr lang="en-US" sz="1000" dirty="0" smtClean="0"/>
+                <a:rPr lang="en-US" sz="1000" dirty="0"/>
                 <a:t>This work is licensed under a </a:t>
-              </a:r>
-              <a:r>
-                <a:rPr lang="en-US" altLang="en-US" sz="1000" dirty="0" smtClean="0">
-                  <a:solidFill>
-                    <a:srgbClr val="4374B7"/>
-                  </a:solidFill>
-                  <a:latin typeface="Helvetica Neue"/>
-                  <a:hlinkClick r:id="rId4"/>
-                </a:rPr>
-                <a:t>Creative </a:t>
               </a:r>
               <a:r>
                 <a:rPr lang="en-US" altLang="en-US" sz="1000" dirty="0">
@@ -4799,7 +4696,7 @@
                   <a:latin typeface="Helvetica Neue"/>
                   <a:hlinkClick r:id="rId4"/>
                 </a:rPr>
-                <a:t>Commons Attribution-</a:t>
+                <a:t>Creative Commons Attribution-</a:t>
               </a:r>
               <a:r>
                 <a:rPr lang="en-US" altLang="en-US" sz="1000" dirty="0" err="1">
@@ -4822,10 +4719,9 @@
                 <a:t> 4.0 International License</a:t>
               </a:r>
               <a:r>
-                <a:rPr lang="en-US" sz="1000" dirty="0" smtClean="0"/>
+                <a:rPr lang="en-US" sz="1000" dirty="0"/>
                 <a:t>.</a:t>
               </a:r>
-              <a:endParaRPr lang="en-US" sz="1000" dirty="0"/>
             </a:p>
           </p:txBody>
         </p:sp>
@@ -4835,13 +4731,6 @@
   <p:clrMapOvr>
     <a:masterClrMapping/>
   </p:clrMapOvr>
-  <p:timing>
-    <p:tnLst>
-      <p:par>
-        <p:cTn id="1" dur="indefinite" restart="never" nodeType="tmRoot"/>
-      </p:par>
-    </p:tnLst>
-  </p:timing>
 </p:sld>
 </file>
 
@@ -4880,10 +4769,9 @@
           <a:lstStyle/>
           <a:p>
             <a:r>
-              <a:rPr lang="en-US" dirty="0" smtClean="0"/>
+              <a:rPr lang="en-US" dirty="0"/>
               <a:t>All three of these implementations have the SAME observable behavior</a:t>
             </a:r>
-            <a:endParaRPr lang="en-US" dirty="0"/>
           </a:p>
         </p:txBody>
       </p:sp>
@@ -4903,22 +4791,21 @@
           <a:lstStyle/>
           <a:p>
             <a:r>
-              <a:rPr lang="en-US" dirty="0" smtClean="0"/>
+              <a:rPr lang="en-US" dirty="0"/>
               <a:t>no combination of scenarios and observations can tell them apart!</a:t>
             </a:r>
           </a:p>
           <a:p>
             <a:r>
-              <a:rPr lang="en-US" dirty="0" smtClean="0"/>
+              <a:rPr lang="en-US" dirty="0"/>
               <a:t>If these are the only methods and observations we have on these objects, then we don't care which implementation we use– they will behave the same in any program.</a:t>
             </a:r>
           </a:p>
           <a:p>
             <a:r>
-              <a:rPr lang="en-US" dirty="0" smtClean="0"/>
+              <a:rPr lang="en-US" dirty="0"/>
               <a:t>We could even write something like</a:t>
             </a:r>
-            <a:endParaRPr lang="en-US" dirty="0"/>
           </a:p>
         </p:txBody>
       </p:sp>
@@ -4956,13 +4843,6 @@
   <p:clrMapOvr>
     <a:masterClrMapping/>
   </p:clrMapOvr>
-  <p:timing>
-    <p:tnLst>
-      <p:par>
-        <p:cTn id="1" dur="indefinite" restart="never" nodeType="tmRoot"/>
-      </p:par>
-    </p:tnLst>
-  </p:timing>
 </p:sld>
 </file>
 
@@ -4999,10 +4879,9 @@
           <a:lstStyle/>
           <a:p>
             <a:r>
-              <a:rPr lang="en-US" dirty="0" smtClean="0"/>
+              <a:rPr lang="en-US" dirty="0"/>
               <a:t>Choose a random implementation</a:t>
             </a:r>
-            <a:endParaRPr lang="en-US" dirty="0"/>
           </a:p>
         </p:txBody>
       </p:sp>
@@ -5059,13 +4938,8 @@
             </a:r>
             <a:r>
               <a:rPr lang="en-US" dirty="0"/>
-              <a:t> (random </a:t>
-            </a:r>
-            <a:r>
-              <a:rPr lang="en-US" dirty="0" smtClean="0"/>
-              <a:t>3)))</a:t>
-            </a:r>
-            <a:endParaRPr lang="en-US" dirty="0"/>
+              <a:t> (random 3)))</a:t>
+            </a:r>
           </a:p>
           <a:p>
             <a:r>
@@ -5117,39 +4991,22 @@
             </a:r>
             <a:r>
               <a:rPr lang="en-US" dirty="0"/>
-              <a:t> </a:t>
-            </a:r>
-            <a:r>
-              <a:rPr lang="en-US" dirty="0" smtClean="0"/>
-              <a:t>2) </a:t>
-            </a:r>
-            <a:r>
-              <a:rPr lang="en-US" dirty="0"/>
-              <a:t>(new Robot3</a:t>
-            </a:r>
-            <a:r>
-              <a:rPr lang="en-US" dirty="0" smtClean="0"/>
-              <a:t>%)]</a:t>
-            </a:r>
-          </a:p>
-          <a:p>
-            <a:r>
-              <a:rPr lang="en-US" dirty="0"/>
-              <a:t> </a:t>
-            </a:r>
-            <a:r>
-              <a:rPr lang="en-US" dirty="0" smtClean="0"/>
-              <a:t>     [(= </a:t>
-            </a:r>
-            <a:r>
-              <a:rPr lang="en-US" dirty="0" err="1" smtClean="0"/>
+              <a:t> 2) (new Robot3%)]</a:t>
+            </a:r>
+          </a:p>
+          <a:p>
+            <a:r>
+              <a:rPr lang="en-US" dirty="0"/>
+              <a:t>      [(= </a:t>
+            </a:r>
+            <a:r>
+              <a:rPr lang="en-US" dirty="0" err="1"/>
               <a:t>i</a:t>
             </a:r>
             <a:r>
-              <a:rPr lang="en-US" dirty="0" smtClean="0"/>
+              <a:rPr lang="en-US" dirty="0"/>
               <a:t> 3) (new Robot4%)))</a:t>
             </a:r>
-            <a:endParaRPr lang="en-US" dirty="0"/>
           </a:p>
         </p:txBody>
       </p:sp>
@@ -5168,12 +5025,14 @@
             <a:avLst/>
           </a:prstGeom>
           <a:solidFill>
-            <a:schemeClr val="accent3">
-              <a:lumMod val="40000"/>
-              <a:lumOff val="60000"/>
+            <a:schemeClr val="accent1">
+              <a:lumMod val="20000"/>
+              <a:lumOff val="80000"/>
             </a:schemeClr>
           </a:solidFill>
-          <a:ln/>
+          <a:ln>
+            <a:noFill/>
+          </a:ln>
         </p:spPr>
         <p:style>
           <a:lnRef idx="2">
@@ -5200,7 +5059,7 @@
           <a:p>
             <a:pPr algn="ctr"/>
             <a:r>
-              <a:rPr lang="en-US" sz="2000" dirty="0" smtClean="0">
+              <a:rPr lang="en-US" sz="2000" dirty="0">
                 <a:solidFill>
                   <a:schemeClr val="tx1"/>
                 </a:solidFill>
@@ -5262,13 +5121,6 @@
   <p:clrMapOvr>
     <a:masterClrMapping/>
   </p:clrMapOvr>
-  <p:timing>
-    <p:tnLst>
-      <p:par>
-        <p:cTn id="1" dur="indefinite" restart="never" nodeType="tmRoot"/>
-      </p:par>
-    </p:tnLst>
-  </p:timing>
 </p:sld>
 </file>
 
@@ -5305,10 +5157,9 @@
           <a:lstStyle/>
           <a:p>
             <a:r>
-              <a:rPr lang="en-US" dirty="0" smtClean="0"/>
+              <a:rPr lang="en-US" dirty="0"/>
               <a:t>Contracts and Interfaces (again)</a:t>
             </a:r>
-            <a:endParaRPr lang="en-US" dirty="0"/>
           </a:p>
         </p:txBody>
       </p:sp>
@@ -5335,12 +5186,8 @@
               </a:spcBef>
             </a:pPr>
             <a:r>
-              <a:rPr lang="en-US" sz="2400" dirty="0" smtClean="0"/>
-              <a:t>;; </a:t>
-            </a:r>
-            <a:r>
-              <a:rPr lang="en-US" sz="2400" dirty="0" smtClean="0"/>
-              <a:t>move-right-by-distance </a:t>
+              <a:rPr lang="en-US" sz="2400" dirty="0"/>
+              <a:t>;; move-right-by-distance </a:t>
             </a:r>
           </a:p>
           <a:p>
@@ -5350,17 +5197,30 @@
               </a:spcBef>
             </a:pPr>
             <a:r>
-              <a:rPr lang="en-US" sz="2400" dirty="0" smtClean="0"/>
-              <a:t>;; </a:t>
-            </a:r>
-            <a:r>
-              <a:rPr lang="en-US" sz="2400" dirty="0" smtClean="0"/>
-              <a:t>: </a:t>
-            </a:r>
-            <a:r>
-              <a:rPr lang="en-US" sz="2400" dirty="0" smtClean="0"/>
-              <a:t>Robot&lt;%&gt; Nat -&gt; Robot&lt;%&gt;</a:t>
-            </a:r>
+              <a:rPr lang="en-US" sz="2400" dirty="0"/>
+              <a:t>;; : </a:t>
+            </a:r>
+            <a:r>
+              <a:rPr lang="en-US" sz="2400" dirty="0" err="1"/>
+              <a:t>StupidRobot</a:t>
+            </a:r>
+            <a:r>
+              <a:rPr lang="en-US" sz="2400" dirty="0"/>
+              <a:t> </a:t>
+            </a:r>
+            <a:r>
+              <a:rPr lang="en-US" sz="2400" dirty="0" err="1"/>
+              <a:t>NonNegInt</a:t>
+            </a:r>
+            <a:r>
+              <a:rPr lang="en-US" sz="2400" dirty="0"/>
+              <a:t> -&gt; </a:t>
+            </a:r>
+            <a:r>
+              <a:rPr lang="en-US" sz="2400" dirty="0" err="1"/>
+              <a:t>StupidRobot</a:t>
+            </a:r>
+            <a:endParaRPr lang="en-US" sz="2400" dirty="0"/>
           </a:p>
           <a:p>
             <a:pPr>
@@ -5369,16 +5229,8 @@
               </a:spcBef>
             </a:pPr>
             <a:r>
-              <a:rPr lang="en-US" sz="2400" dirty="0" smtClean="0"/>
-              <a:t>(define (</a:t>
-            </a:r>
-            <a:r>
-              <a:rPr lang="en-US" sz="2400" dirty="0" smtClean="0"/>
-              <a:t>move-right-by-distance </a:t>
-            </a:r>
-            <a:r>
-              <a:rPr lang="en-US" sz="2400" dirty="0" smtClean="0"/>
-              <a:t>r n)</a:t>
+              <a:rPr lang="en-US" sz="2400" dirty="0"/>
+              <a:t>(define (move-right-by-distance r n)</a:t>
             </a:r>
           </a:p>
           <a:p>
@@ -5389,17 +5241,13 @@
             </a:pPr>
             <a:r>
               <a:rPr lang="en-US" sz="2400" dirty="0"/>
-              <a:t> </a:t>
-            </a:r>
-            <a:r>
-              <a:rPr lang="en-US" sz="2400" dirty="0" smtClean="0"/>
-              <a:t> (</a:t>
-            </a:r>
-            <a:r>
-              <a:rPr lang="en-US" sz="2400" dirty="0" err="1" smtClean="0"/>
+              <a:t>  (</a:t>
+            </a:r>
+            <a:r>
+              <a:rPr lang="en-US" sz="2400" dirty="0" err="1"/>
               <a:t>cond</a:t>
             </a:r>
-            <a:endParaRPr lang="en-US" sz="2400" dirty="0" smtClean="0"/>
+            <a:endParaRPr lang="en-US" sz="2400" dirty="0"/>
           </a:p>
           <a:p>
             <a:pPr>
@@ -5409,11 +5257,7 @@
             </a:pPr>
             <a:r>
               <a:rPr lang="en-US" sz="2400" dirty="0"/>
-              <a:t> </a:t>
-            </a:r>
-            <a:r>
-              <a:rPr lang="en-US" sz="2400" dirty="0" smtClean="0"/>
-              <a:t>   [(zero? n) r]</a:t>
+              <a:t>    [(zero? n) r]</a:t>
             </a:r>
           </a:p>
           <a:p>
@@ -5424,17 +5268,8 @@
             </a:pPr>
             <a:r>
               <a:rPr lang="en-US" sz="2400" dirty="0"/>
-              <a:t> </a:t>
-            </a:r>
-            <a:r>
-              <a:rPr lang="en-US" sz="2400" dirty="0" smtClean="0"/>
-              <a:t>   [else (</a:t>
-            </a:r>
-            <a:r>
-              <a:rPr lang="en-US" sz="2400" dirty="0" smtClean="0"/>
-              <a:t>move-right-by-distance</a:t>
-            </a:r>
-            <a:endParaRPr lang="en-US" sz="2400" dirty="0" smtClean="0"/>
+              <a:t>    [else (move-right-by-distance</a:t>
+            </a:r>
           </a:p>
           <a:p>
             <a:pPr>
@@ -5444,11 +5279,7 @@
             </a:pPr>
             <a:r>
               <a:rPr lang="en-US" sz="2400" dirty="0"/>
-              <a:t> </a:t>
-            </a:r>
-            <a:r>
-              <a:rPr lang="en-US" sz="2400" dirty="0" smtClean="0"/>
-              <a:t>           (send r move-right)</a:t>
+              <a:t>            (send r move-right)</a:t>
             </a:r>
           </a:p>
           <a:p>
@@ -5459,13 +5290,8 @@
             </a:pPr>
             <a:r>
               <a:rPr lang="en-US" sz="2400" dirty="0"/>
-              <a:t> </a:t>
-            </a:r>
-            <a:r>
-              <a:rPr lang="en-US" sz="2400" dirty="0" smtClean="0"/>
-              <a:t>           (- n 1)])) </a:t>
-            </a:r>
-            <a:endParaRPr lang="en-US" sz="2400" dirty="0"/>
+              <a:t>            (- n 1)])) </a:t>
+            </a:r>
           </a:p>
         </p:txBody>
       </p:sp>
@@ -5507,18 +5333,20 @@
         <p:spPr>
           <a:xfrm>
             <a:off x="271851" y="4930233"/>
-            <a:ext cx="3616657" cy="1200329"/>
+            <a:ext cx="3616657" cy="1569660"/>
           </a:xfrm>
           <a:prstGeom prst="rect">
             <a:avLst/>
           </a:prstGeom>
           <a:solidFill>
-            <a:schemeClr val="accent3">
-              <a:lumMod val="40000"/>
-              <a:lumOff val="60000"/>
+            <a:schemeClr val="accent1">
+              <a:lumMod val="20000"/>
+              <a:lumOff val="80000"/>
             </a:schemeClr>
           </a:solidFill>
-          <a:ln/>
+          <a:ln>
+            <a:noFill/>
+          </a:ln>
         </p:spPr>
         <p:style>
           <a:lnRef idx="2">
@@ -5545,8 +5373,16 @@
           <a:p>
             <a:pPr algn="l"/>
             <a:r>
-              <a:rPr lang="en-US" sz="2400" dirty="0" smtClean="0"/>
-              <a:t>This works with ANY class that implements Robot&lt;%&gt;.   </a:t>
+              <a:rPr lang="en-US" sz="2400" dirty="0"/>
+              <a:t>This works with ANY object whose class that implements </a:t>
+            </a:r>
+            <a:r>
+              <a:rPr lang="en-US" sz="2400" dirty="0" err="1"/>
+              <a:t>StupidRobot</a:t>
+            </a:r>
+            <a:r>
+              <a:rPr lang="en-US" sz="2400" dirty="0"/>
+              <a:t>&lt;%&gt;.   </a:t>
             </a:r>
           </a:p>
         </p:txBody>
@@ -5566,12 +5402,14 @@
             <a:avLst/>
           </a:prstGeom>
           <a:solidFill>
-            <a:schemeClr val="accent3">
-              <a:lumMod val="40000"/>
-              <a:lumOff val="60000"/>
+            <a:schemeClr val="accent1">
+              <a:lumMod val="20000"/>
+              <a:lumOff val="80000"/>
             </a:schemeClr>
           </a:solidFill>
-          <a:ln/>
+          <a:ln>
+            <a:noFill/>
+          </a:ln>
         </p:spPr>
         <p:style>
           <a:lnRef idx="2">
@@ -5598,7 +5436,7 @@
           <a:p>
             <a:pPr algn="l"/>
             <a:r>
-              <a:rPr lang="en-US" sz="2400" dirty="0" smtClean="0"/>
+              <a:rPr lang="en-US" sz="2400" dirty="0"/>
               <a:t>Contracts should be in terms of interfaces, not classes.</a:t>
             </a:r>
           </a:p>
@@ -5614,13 +5452,6 @@
   <p:clrMapOvr>
     <a:masterClrMapping/>
   </p:clrMapOvr>
-  <p:timing>
-    <p:tnLst>
-      <p:par>
-        <p:cTn id="1" dur="indefinite" restart="never" nodeType="tmRoot"/>
-      </p:par>
-    </p:tnLst>
-  </p:timing>
 </p:sld>
 </file>
 
@@ -5659,10 +5490,9 @@
           <a:lstStyle/>
           <a:p>
             <a:r>
-              <a:rPr lang="en-US" dirty="0" smtClean="0"/>
+              <a:rPr lang="en-US" dirty="0"/>
               <a:t>We need to change the way we write tests</a:t>
             </a:r>
-            <a:endParaRPr lang="en-US" dirty="0"/>
           </a:p>
         </p:txBody>
       </p:sp>
@@ -5682,30 +5512,29 @@
           <a:lstStyle/>
           <a:p>
             <a:r>
-              <a:rPr lang="en-US" dirty="0" smtClean="0"/>
+              <a:rPr lang="en-US" dirty="0"/>
               <a:t>Our tests should work with any implementation of </a:t>
             </a:r>
             <a:r>
-              <a:rPr lang="en-US" dirty="0" err="1" smtClean="0"/>
+              <a:rPr lang="en-US" dirty="0" err="1"/>
               <a:t>StupidRobot</a:t>
             </a:r>
             <a:r>
-              <a:rPr lang="en-US" dirty="0" smtClean="0"/>
+              <a:rPr lang="en-US" dirty="0"/>
               <a:t>&lt;%&gt; .</a:t>
             </a:r>
           </a:p>
           <a:p>
             <a:r>
-              <a:rPr lang="en-US" dirty="0" smtClean="0"/>
+              <a:rPr lang="en-US" dirty="0"/>
               <a:t>We construct a scenario,  in which we create some objects, send them some messages, and see what the observables are.</a:t>
             </a:r>
           </a:p>
           <a:p>
             <a:r>
-              <a:rPr lang="en-US" dirty="0" smtClean="0"/>
+              <a:rPr lang="en-US" dirty="0"/>
               <a:t>The tests talk only through the interface.</a:t>
             </a:r>
-            <a:endParaRPr lang="en-US" dirty="0"/>
           </a:p>
         </p:txBody>
       </p:sp>
@@ -5743,13 +5572,6 @@
   <p:clrMapOvr>
     <a:masterClrMapping/>
   </p:clrMapOvr>
-  <p:timing>
-    <p:tnLst>
-      <p:par>
-        <p:cTn id="1" dur="indefinite" restart="never" nodeType="tmRoot"/>
-      </p:par>
-    </p:tnLst>
-  </p:timing>
 </p:sld>
 </file>
 
@@ -5788,10 +5610,9 @@
           <a:lstStyle/>
           <a:p>
             <a:r>
-              <a:rPr lang="en-US" dirty="0" smtClean="0"/>
+              <a:rPr lang="en-US" dirty="0"/>
               <a:t>A Simple Scenario</a:t>
             </a:r>
-            <a:endParaRPr lang="en-US" dirty="0"/>
           </a:p>
         </p:txBody>
       </p:sp>
@@ -5812,19 +5633,15 @@
           </a:bodyPr>
           <a:lstStyle/>
           <a:p>
-            <a:endParaRPr lang="en-US" dirty="0" smtClean="0"/>
-          </a:p>
-          <a:p>
             <a:endParaRPr lang="en-US" dirty="0"/>
           </a:p>
           <a:p>
-            <a:r>
-              <a:rPr lang="en-US" dirty="0" smtClean="0"/>
-              <a:t>(</a:t>
-            </a:r>
-            <a:r>
-              <a:rPr lang="en-US" dirty="0"/>
-              <a:t>begin-for-test</a:t>
+            <a:endParaRPr lang="en-US" dirty="0"/>
+          </a:p>
+          <a:p>
+            <a:r>
+              <a:rPr lang="en-US" dirty="0"/>
+              <a:t>(begin-for-test</a:t>
             </a:r>
           </a:p>
           <a:p>
@@ -5979,13 +5796,6 @@
   <p:clrMapOvr>
     <a:masterClrMapping/>
   </p:clrMapOvr>
-  <p:timing>
-    <p:tnLst>
-      <p:par>
-        <p:cTn id="1" dur="indefinite" restart="never" nodeType="tmRoot"/>
-      </p:par>
-    </p:tnLst>
-  </p:timing>
 </p:sld>
 </file>
 
@@ -6022,10 +5832,9 @@
           <a:lstStyle/>
           <a:p>
             <a:r>
-              <a:rPr lang="en-US" dirty="0" smtClean="0"/>
+              <a:rPr lang="en-US" dirty="0"/>
               <a:t>Observables in the problem sets</a:t>
             </a:r>
-            <a:endParaRPr lang="en-US" dirty="0"/>
           </a:p>
         </p:txBody>
       </p:sp>
@@ -6047,13 +5856,13 @@
           <a:lstStyle/>
           <a:p>
             <a:r>
-              <a:rPr lang="en-US" dirty="0" smtClean="0"/>
+              <a:rPr lang="en-US" dirty="0"/>
               <a:t>In our problem sets, we've required you to provide just enough observables so that our automated testing routines can see if you've solved the problem.</a:t>
             </a:r>
           </a:p>
           <a:p>
             <a:r>
-              <a:rPr lang="en-US" dirty="0" smtClean="0"/>
+              <a:rPr lang="en-US" dirty="0"/>
               <a:t>In a test, we create a scenario and then check the observables of the final state.</a:t>
             </a:r>
           </a:p>
@@ -6064,7 +5873,7 @@
             </a:r>
           </a:p>
           <a:p>
-            <a:endParaRPr lang="en-US" dirty="0" smtClean="0"/>
+            <a:endParaRPr lang="en-US" dirty="0"/>
           </a:p>
           <a:p>
             <a:endParaRPr lang="en-US" dirty="0"/>
@@ -6105,13 +5914,6 @@
   <p:clrMapOvr>
     <a:masterClrMapping/>
   </p:clrMapOvr>
-  <p:timing>
-    <p:tnLst>
-      <p:par>
-        <p:cTn id="1" dur="indefinite" restart="never" nodeType="tmRoot"/>
-      </p:par>
-    </p:tnLst>
-  </p:timing>
 </p:sld>
 </file>
 
@@ -6150,10 +5952,9 @@
           <a:lstStyle/>
           <a:p>
             <a:r>
-              <a:rPr lang="en-US" dirty="0" smtClean="0"/>
+              <a:rPr lang="en-US" dirty="0"/>
               <a:t>You may need to add some observables for debugging</a:t>
             </a:r>
-            <a:endParaRPr lang="en-US" dirty="0"/>
           </a:p>
         </p:txBody>
       </p:sp>
@@ -6175,42 +5976,33 @@
           <a:lstStyle/>
           <a:p>
             <a:r>
-              <a:rPr lang="en-US" dirty="0" smtClean="0"/>
+              <a:rPr lang="en-US" dirty="0"/>
               <a:t>The set of observer methods in the problem sets is purposely minimal, in order to give you the maximum freedom in implementing the objects.</a:t>
             </a:r>
           </a:p>
           <a:p>
             <a:r>
-              <a:rPr lang="en-US" dirty="0" smtClean="0"/>
-              <a:t>You may need to add some observation methods for your own testing</a:t>
-            </a:r>
-            <a:r>
-              <a:rPr lang="en-US" dirty="0"/>
+              <a:rPr lang="en-US" dirty="0"/>
+              <a:t>You may need to add some observation methods for your own testing and debugging, so you can see what is going on inside your objects.</a:t>
+            </a:r>
+          </a:p>
+          <a:p>
+            <a:r>
+              <a:rPr lang="en-US" dirty="0"/>
+              <a:t>That's ok, but give them names like </a:t>
+            </a:r>
+            <a:r>
+              <a:rPr lang="en-US" b="1" dirty="0" err="1"/>
+              <a:t>for-test:whatever</a:t>
+            </a:r>
+            <a:r>
+              <a:rPr lang="en-US" b="1" dirty="0"/>
               <a:t> </a:t>
             </a:r>
             <a:r>
-              <a:rPr lang="en-US" dirty="0" smtClean="0"/>
-              <a:t>and debugging, so you can see what is going on inside your objects.</a:t>
-            </a:r>
-          </a:p>
-          <a:p>
-            <a:r>
-              <a:rPr lang="en-US" dirty="0" smtClean="0"/>
-              <a:t>That's ok, but give them names like </a:t>
-            </a:r>
-            <a:r>
-              <a:rPr lang="en-US" b="1" dirty="0" err="1" smtClean="0"/>
-              <a:t>for-test:whatever</a:t>
-            </a:r>
-            <a:r>
-              <a:rPr lang="en-US" b="1" dirty="0" smtClean="0"/>
-              <a:t> </a:t>
-            </a:r>
-            <a:r>
-              <a:rPr lang="en-US" dirty="0" smtClean="0"/>
+              <a:rPr lang="en-US" dirty="0"/>
               <a:t>and do NOT use them for any other purpose.</a:t>
             </a:r>
-            <a:endParaRPr lang="en-US" dirty="0"/>
           </a:p>
         </p:txBody>
       </p:sp>
@@ -6248,13 +6040,6 @@
   <p:clrMapOvr>
     <a:masterClrMapping/>
   </p:clrMapOvr>
-  <p:timing>
-    <p:tnLst>
-      <p:par>
-        <p:cTn id="1" dur="indefinite" restart="never" nodeType="tmRoot"/>
-      </p:par>
-    </p:tnLst>
-  </p:timing>
 </p:sld>
 </file>
 
@@ -6293,14 +6078,9 @@
           <a:lstStyle/>
           <a:p>
             <a:r>
-              <a:rPr lang="en-US" dirty="0" smtClean="0"/>
-              <a:t>Example of a </a:t>
-            </a:r>
-            <a:r>
-              <a:rPr lang="en-US" dirty="0" smtClean="0"/>
-              <a:t>scenario using a test method</a:t>
-            </a:r>
-            <a:endParaRPr lang="en-US" dirty="0"/>
+              <a:rPr lang="en-US" dirty="0"/>
+              <a:t>Example of a scenario using a test method</a:t>
+            </a:r>
           </a:p>
         </p:txBody>
       </p:sp>
@@ -6329,79 +6109,58 @@
           <a:p>
             <a:r>
               <a:rPr lang="en-US" sz="2800" dirty="0"/>
-              <a:t>(define w2 (send w1 on-key "n</a:t>
-            </a:r>
-            <a:r>
-              <a:rPr lang="en-US" sz="2800" dirty="0" smtClean="0"/>
-              <a:t>"))</a:t>
-            </a:r>
-          </a:p>
-          <a:p>
-            <a:r>
-              <a:rPr lang="en-US" sz="2800" dirty="0" smtClean="0"/>
+              <a:t>(define w2 (send w1 on-key "n"))</a:t>
+            </a:r>
+          </a:p>
+          <a:p>
+            <a:r>
+              <a:rPr lang="en-US" sz="2800" dirty="0"/>
               <a:t>(define w3 (send w2 on-key "n"))</a:t>
             </a:r>
           </a:p>
           <a:p>
             <a:r>
-              <a:rPr lang="en-US" sz="2800" dirty="0" smtClean="0"/>
+              <a:rPr lang="en-US" sz="2800" dirty="0"/>
               <a:t>...</a:t>
             </a:r>
           </a:p>
           <a:p>
             <a:r>
-              <a:rPr lang="en-US" sz="2800" dirty="0" smtClean="0"/>
+              <a:rPr lang="en-US" sz="2800" dirty="0"/>
               <a:t>(check-equal?</a:t>
             </a:r>
           </a:p>
           <a:p>
             <a:r>
               <a:rPr lang="en-US" sz="2800" dirty="0"/>
-              <a:t> </a:t>
-            </a:r>
-            <a:r>
-              <a:rPr lang="en-US" sz="2800" dirty="0" smtClean="0"/>
-              <a:t>  (length </a:t>
+              <a:t>   (length </a:t>
             </a:r>
           </a:p>
           <a:p>
             <a:r>
               <a:rPr lang="en-US" sz="2800" dirty="0"/>
-              <a:t> </a:t>
-            </a:r>
-            <a:r>
-              <a:rPr lang="en-US" sz="2800" dirty="0" smtClean="0"/>
-              <a:t>   (send w3 </a:t>
-            </a:r>
-            <a:r>
-              <a:rPr lang="en-US" sz="2800" smtClean="0"/>
+              <a:t>    (send w3 </a:t>
+            </a:r>
+            <a:r>
+              <a:rPr lang="en-US" sz="2800"/>
               <a:t>for-test:rectangles</a:t>
             </a:r>
             <a:r>
-              <a:rPr lang="en-US" sz="2800" dirty="0" smtClean="0"/>
+              <a:rPr lang="en-US" sz="2800" dirty="0"/>
               <a:t>))</a:t>
             </a:r>
           </a:p>
           <a:p>
             <a:r>
               <a:rPr lang="en-US" sz="2800" dirty="0"/>
-              <a:t> </a:t>
-            </a:r>
-            <a:r>
-              <a:rPr lang="en-US" sz="2800" dirty="0" smtClean="0"/>
-              <a:t>   2</a:t>
+              <a:t>    2</a:t>
             </a:r>
           </a:p>
           <a:p>
             <a:r>
               <a:rPr lang="en-US" sz="2800" dirty="0"/>
-              <a:t> </a:t>
-            </a:r>
-            <a:r>
-              <a:rPr lang="en-US" sz="2800" dirty="0" smtClean="0"/>
-              <a:t>  "After 2 'n's, there should be two rectangles")</a:t>
-            </a:r>
-            <a:endParaRPr lang="en-US" sz="2800" dirty="0"/>
+              <a:t>   "After 2 'n's, there should be two rectangles")</a:t>
+            </a:r>
           </a:p>
           <a:p>
             <a:endParaRPr lang="en-US" sz="2800" dirty="0"/>
@@ -6418,13 +6177,6 @@
   <p:clrMapOvr>
     <a:masterClrMapping/>
   </p:clrMapOvr>
-  <p:timing>
-    <p:tnLst>
-      <p:par>
-        <p:cTn id="1" dur="indefinite" restart="never" nodeType="tmRoot"/>
-      </p:par>
-    </p:tnLst>
-  </p:timing>
 </p:sld>
 </file>
 
@@ -6461,18 +6213,17 @@
           <a:lstStyle/>
           <a:p>
             <a:r>
-              <a:rPr lang="en-US" dirty="0" smtClean="0"/>
+              <a:rPr lang="en-US" dirty="0"/>
               <a:t>You can’t use </a:t>
             </a:r>
             <a:r>
-              <a:rPr lang="en-US" b="1" dirty="0" smtClean="0"/>
+              <a:rPr lang="en-US" b="1" dirty="0"/>
               <a:t>equal?</a:t>
             </a:r>
             <a:r>
-              <a:rPr lang="en-US" dirty="0" smtClean="0"/>
+              <a:rPr lang="en-US" dirty="0"/>
               <a:t> on objects</a:t>
             </a:r>
-            <a:endParaRPr lang="en-US" dirty="0"/>
           </a:p>
         </p:txBody>
       </p:sp>
@@ -6492,55 +6243,55 @@
           <a:lstStyle/>
           <a:p>
             <a:r>
-              <a:rPr lang="en-US" dirty="0" smtClean="0"/>
+              <a:rPr lang="en-US" dirty="0"/>
               <a:t>In Racket, </a:t>
             </a:r>
             <a:r>
-              <a:rPr lang="en-US" b="1" dirty="0" smtClean="0"/>
+              <a:rPr lang="en-US" b="1" dirty="0"/>
               <a:t>equal? </a:t>
             </a:r>
             <a:r>
-              <a:rPr lang="en-US" dirty="0" smtClean="0"/>
+              <a:rPr lang="en-US" dirty="0"/>
               <a:t>on objects measures  whether  its arguments are the </a:t>
             </a:r>
             <a:r>
-              <a:rPr lang="en-US" i="1" dirty="0" smtClean="0"/>
+              <a:rPr lang="en-US" i="1" dirty="0"/>
               <a:t>same</a:t>
             </a:r>
             <a:r>
-              <a:rPr lang="en-US" dirty="0" smtClean="0"/>
+              <a:rPr lang="en-US" dirty="0"/>
               <a:t> object.</a:t>
             </a:r>
           </a:p>
           <a:p>
             <a:r>
-              <a:rPr lang="en-US" dirty="0" smtClean="0"/>
+              <a:rPr lang="en-US" dirty="0"/>
               <a:t>In Racket, you can have two different objects with exactly the same values in the fields.</a:t>
             </a:r>
           </a:p>
           <a:p>
             <a:r>
-              <a:rPr lang="en-US" dirty="0" smtClean="0"/>
+              <a:rPr lang="en-US" dirty="0"/>
               <a:t>We say that objects </a:t>
             </a:r>
             <a:r>
-              <a:rPr lang="en-US" i="1" dirty="0" smtClean="0"/>
+              <a:rPr lang="en-US" i="1" dirty="0"/>
               <a:t>have identity</a:t>
             </a:r>
             <a:r>
-              <a:rPr lang="en-US" dirty="0" smtClean="0"/>
+              <a:rPr lang="en-US" dirty="0"/>
               <a:t>.</a:t>
             </a:r>
           </a:p>
           <a:p>
             <a:r>
-              <a:rPr lang="en-US" dirty="0" smtClean="0"/>
+              <a:rPr lang="en-US" dirty="0"/>
               <a:t>This will make more sense next week.</a:t>
             </a:r>
           </a:p>
           <a:p>
             <a:r>
-              <a:rPr lang="en-US" dirty="0" smtClean="0"/>
+              <a:rPr lang="en-US" dirty="0"/>
               <a:t>In the meantime,  here’s an example:</a:t>
             </a:r>
           </a:p>
@@ -6579,13 +6330,6 @@
   <p:clrMapOvr>
     <a:masterClrMapping/>
   </p:clrMapOvr>
-  <p:timing>
-    <p:tnLst>
-      <p:par>
-        <p:cTn id="1" dur="indefinite" restart="never" nodeType="tmRoot"/>
-      </p:par>
-    </p:tnLst>
-  </p:timing>
 </p:sld>
 </file>
 
@@ -6622,10 +6366,9 @@
           <a:lstStyle/>
           <a:p>
             <a:r>
-              <a:rPr lang="en-US" dirty="0" smtClean="0"/>
+              <a:rPr lang="en-US" dirty="0"/>
               <a:t>Example of object identity</a:t>
             </a:r>
-            <a:endParaRPr lang="en-US" dirty="0"/>
           </a:p>
         </p:txBody>
       </p:sp>
@@ -6647,21 +6390,17 @@
           <a:lstStyle/>
           <a:p>
             <a:r>
-              <a:rPr lang="en-US" dirty="0" smtClean="0"/>
+              <a:rPr lang="en-US" dirty="0"/>
               <a:t>(let ((r1 (new-robot)))</a:t>
             </a:r>
           </a:p>
           <a:p>
             <a:r>
               <a:rPr lang="en-US" dirty="0"/>
-              <a:t> </a:t>
-            </a:r>
-            <a:r>
-              <a:rPr lang="en-US" dirty="0" smtClean="0"/>
-              <a:t> (equal? r1 r1))        </a:t>
-            </a:r>
-            <a:r>
-              <a:rPr lang="en-US" dirty="0" smtClean="0">
+              <a:t>  (equal? r1 r1))        </a:t>
+            </a:r>
+            <a:r>
+              <a:rPr lang="en-US" dirty="0">
                 <a:sym typeface="Wingdings" panose="05000000000000000000" pitchFamily="2" charset="2"/>
               </a:rPr>
               <a:t> true</a:t>
@@ -6675,58 +6414,26 @@
           <a:p>
             <a:r>
               <a:rPr lang="en-US" dirty="0"/>
-              <a:t>(let ((r1 (new-robot</a:t>
-            </a:r>
-            <a:r>
-              <a:rPr lang="en-US" dirty="0" smtClean="0"/>
-              <a:t>)))</a:t>
-            </a:r>
-          </a:p>
-          <a:p>
-            <a:r>
-              <a:rPr lang="en-US" dirty="0"/>
-              <a:t> </a:t>
-            </a:r>
-            <a:r>
-              <a:rPr lang="en-US" dirty="0" smtClean="0"/>
-              <a:t> (let ((r2 r1))</a:t>
-            </a:r>
-            <a:endParaRPr lang="en-US" dirty="0"/>
-          </a:p>
-          <a:p>
-            <a:r>
-              <a:rPr lang="en-US" dirty="0"/>
-              <a:t>  </a:t>
-            </a:r>
-            <a:r>
-              <a:rPr lang="en-US" dirty="0" smtClean="0"/>
-              <a:t>  (</a:t>
-            </a:r>
-            <a:r>
-              <a:rPr lang="en-US" dirty="0"/>
-              <a:t>equal? r1 </a:t>
-            </a:r>
-            <a:r>
-              <a:rPr lang="en-US" dirty="0" smtClean="0"/>
-              <a:t>r2)))     </a:t>
-            </a:r>
-            <a:r>
-              <a:rPr lang="en-US" dirty="0" smtClean="0">
-                <a:sym typeface="Wingdings" panose="05000000000000000000" pitchFamily="2" charset="2"/>
-              </a:rPr>
-              <a:t> </a:t>
+              <a:t>(let ((r1 (new-robot)))</a:t>
+            </a:r>
+          </a:p>
+          <a:p>
+            <a:r>
+              <a:rPr lang="en-US" dirty="0"/>
+              <a:t>  (let ((r2 r1))</a:t>
+            </a:r>
+          </a:p>
+          <a:p>
+            <a:r>
+              <a:rPr lang="en-US" dirty="0"/>
+              <a:t>    (equal? r1 r2)))     </a:t>
             </a:r>
             <a:r>
               <a:rPr lang="en-US" dirty="0">
                 <a:sym typeface="Wingdings" panose="05000000000000000000" pitchFamily="2" charset="2"/>
               </a:rPr>
-              <a:t>true</a:t>
-            </a:r>
-          </a:p>
-          <a:p>
-            <a:endParaRPr lang="en-US" dirty="0" smtClean="0">
-              <a:sym typeface="Wingdings" panose="05000000000000000000" pitchFamily="2" charset="2"/>
-            </a:endParaRPr>
+              <a:t> true</a:t>
+            </a:r>
           </a:p>
           <a:p>
             <a:endParaRPr lang="en-US" dirty="0">
@@ -6734,6 +6441,11 @@
             </a:endParaRPr>
           </a:p>
           <a:p>
+            <a:endParaRPr lang="en-US" dirty="0">
+              <a:sym typeface="Wingdings" panose="05000000000000000000" pitchFamily="2" charset="2"/>
+            </a:endParaRPr>
+          </a:p>
+          <a:p>
             <a:r>
               <a:rPr lang="en-US" dirty="0"/>
               <a:t>(let ((r1 (new Robot1%))</a:t>
@@ -6742,32 +6454,16 @@
           <a:p>
             <a:r>
               <a:rPr lang="en-US" dirty="0"/>
-              <a:t>      </a:t>
-            </a:r>
-            <a:r>
-              <a:rPr lang="en-US" dirty="0" smtClean="0"/>
-              <a:t>(</a:t>
-            </a:r>
-            <a:r>
-              <a:rPr lang="en-US" dirty="0"/>
-              <a:t>r2 (new Robot1</a:t>
-            </a:r>
-            <a:r>
-              <a:rPr lang="en-US" dirty="0" smtClean="0"/>
-              <a:t>%)))</a:t>
-            </a:r>
-          </a:p>
-          <a:p>
-            <a:r>
-              <a:rPr lang="en-US" dirty="0"/>
-              <a:t> </a:t>
-            </a:r>
-            <a:r>
-              <a:rPr lang="en-US" dirty="0" smtClean="0"/>
-              <a:t> (equal? r1 r2))        </a:t>
-            </a:r>
-            <a:r>
-              <a:rPr lang="en-US" dirty="0" smtClean="0">
+              <a:t>      (r2 (new Robot1%)))</a:t>
+            </a:r>
+          </a:p>
+          <a:p>
+            <a:r>
+              <a:rPr lang="en-US" dirty="0"/>
+              <a:t>  (equal? r1 r2))        </a:t>
+            </a:r>
+            <a:r>
+              <a:rPr lang="en-US" dirty="0">
                 <a:sym typeface="Wingdings" panose="05000000000000000000" pitchFamily="2" charset="2"/>
               </a:rPr>
               <a:t> false</a:t>
@@ -6809,13 +6505,6 @@
   <p:clrMapOvr>
     <a:masterClrMapping/>
   </p:clrMapOvr>
-  <p:timing>
-    <p:tnLst>
-      <p:par>
-        <p:cTn id="1" dur="indefinite" restart="never" nodeType="tmRoot"/>
-      </p:par>
-    </p:tnLst>
-  </p:timing>
 </p:sld>
 </file>
 
@@ -6852,10 +6541,9 @@
           <a:lstStyle/>
           <a:p>
             <a:r>
-              <a:rPr lang="en-US" dirty="0" smtClean="0"/>
+              <a:rPr lang="en-US" dirty="0"/>
               <a:t>Key Points of this lesson</a:t>
             </a:r>
-            <a:endParaRPr lang="en-US" dirty="0"/>
           </a:p>
         </p:txBody>
       </p:sp>
@@ -6877,31 +6565,46 @@
           <a:lstStyle/>
           <a:p>
             <a:r>
-              <a:rPr lang="en-US" dirty="0" smtClean="0"/>
-              <a:t>We can only test observable behavior</a:t>
+              <a:rPr lang="en-US" dirty="0"/>
+              <a:t>We can only test </a:t>
+            </a:r>
+            <a:r>
+              <a:rPr lang="en-US" i="1" dirty="0"/>
+              <a:t>observable</a:t>
+            </a:r>
+            <a:r>
+              <a:rPr lang="en-US" dirty="0"/>
+              <a:t> behavior</a:t>
             </a:r>
           </a:p>
           <a:p>
             <a:pPr lvl="1"/>
             <a:r>
-              <a:rPr lang="en-US" dirty="0" smtClean="0"/>
+              <a:rPr lang="en-US" dirty="0"/>
               <a:t>observables are not fields</a:t>
             </a:r>
           </a:p>
           <a:p>
-            <a:r>
-              <a:rPr lang="en-US" dirty="0" smtClean="0"/>
+            <a:pPr lvl="1"/>
+            <a:r>
+              <a:rPr lang="en-US" dirty="0"/>
+              <a:t>fields are not observable in general</a:t>
+            </a:r>
+          </a:p>
+          <a:p>
+            <a:r>
+              <a:rPr lang="en-US" dirty="0"/>
               <a:t>We need to decide what properties are important, and test those.</a:t>
             </a:r>
           </a:p>
           <a:p>
             <a:pPr lvl="1"/>
             <a:r>
-              <a:rPr lang="en-US" dirty="0" smtClean="0"/>
+              <a:rPr lang="en-US" dirty="0"/>
               <a:t>we can’t use </a:t>
             </a:r>
             <a:r>
-              <a:rPr lang="en-US" b="1" dirty="0" smtClean="0"/>
+              <a:rPr lang="en-US" b="1" dirty="0"/>
               <a:t>equal?</a:t>
             </a:r>
           </a:p>
@@ -6936,13 +6639,6 @@
   <p:clrMapOvr>
     <a:masterClrMapping/>
   </p:clrMapOvr>
-  <p:timing>
-    <p:tnLst>
-      <p:par>
-        <p:cTn id="1" dur="indefinite" restart="never" nodeType="tmRoot"/>
-      </p:par>
-    </p:tnLst>
-  </p:timing>
 </p:sld>
 </file>
 
@@ -6981,10 +6677,9 @@
           <a:lstStyle/>
           <a:p>
             <a:r>
-              <a:rPr lang="en-US" dirty="0" smtClean="0"/>
+              <a:rPr lang="en-US" dirty="0"/>
               <a:t>Luckily, most of the time we can avoid this.</a:t>
             </a:r>
-            <a:endParaRPr lang="en-US" dirty="0"/>
           </a:p>
         </p:txBody>
       </p:sp>
@@ -7004,13 +6699,13 @@
           <a:lstStyle/>
           <a:p>
             <a:r>
-              <a:rPr lang="en-US" dirty="0" smtClean="0"/>
+              <a:rPr lang="en-US" dirty="0"/>
               <a:t>Usually, we’re not interested in whether we have the same object.  </a:t>
             </a:r>
           </a:p>
           <a:p>
             <a:r>
-              <a:rPr lang="en-US" dirty="0" smtClean="0"/>
+              <a:rPr lang="en-US" dirty="0"/>
               <a:t>We just care that our new object has the right observable properties.</a:t>
             </a:r>
           </a:p>
@@ -7050,13 +6745,6 @@
   <p:clrMapOvr>
     <a:masterClrMapping/>
   </p:clrMapOvr>
-  <p:timing>
-    <p:tnLst>
-      <p:par>
-        <p:cTn id="1" dur="indefinite" restart="never" nodeType="tmRoot"/>
-      </p:par>
-    </p:tnLst>
-  </p:timing>
 </p:sld>
 </file>
 
@@ -7093,10 +6781,9 @@
           <a:lstStyle/>
           <a:p>
             <a:r>
-              <a:rPr lang="en-US" dirty="0" smtClean="0"/>
+              <a:rPr lang="en-US" dirty="0"/>
               <a:t>Key Points of this lesson</a:t>
             </a:r>
-            <a:endParaRPr lang="en-US" dirty="0"/>
           </a:p>
         </p:txBody>
       </p:sp>
@@ -7118,63 +6805,63 @@
           <a:lstStyle/>
           <a:p>
             <a:r>
-              <a:rPr lang="en-US" dirty="0" smtClean="0"/>
+              <a:rPr lang="en-US" dirty="0"/>
               <a:t>We can only test observable behavior</a:t>
             </a:r>
           </a:p>
           <a:p>
             <a:pPr lvl="1"/>
             <a:r>
-              <a:rPr lang="en-US" dirty="0" smtClean="0"/>
+              <a:rPr lang="en-US" dirty="0"/>
               <a:t>observables are not fields</a:t>
             </a:r>
           </a:p>
           <a:p>
             <a:r>
-              <a:rPr lang="en-US" dirty="0" smtClean="0"/>
+              <a:rPr lang="en-US" dirty="0"/>
               <a:t>We need to decide what properties are important, and test those.</a:t>
             </a:r>
           </a:p>
           <a:p>
             <a:pPr lvl="1"/>
             <a:r>
-              <a:rPr lang="en-US" dirty="0" smtClean="0"/>
+              <a:rPr lang="en-US" dirty="0"/>
               <a:t>problem set will specify the interfaces  that our tests rely on.</a:t>
             </a:r>
           </a:p>
           <a:p>
             <a:pPr lvl="1"/>
             <a:r>
-              <a:rPr lang="en-US" dirty="0" smtClean="0"/>
+              <a:rPr lang="en-US" dirty="0"/>
               <a:t>we can’t use </a:t>
             </a:r>
             <a:r>
-              <a:rPr lang="en-US" b="1" dirty="0" smtClean="0"/>
+              <a:rPr lang="en-US" b="1" dirty="0"/>
               <a:t>equal?</a:t>
             </a:r>
           </a:p>
           <a:p>
             <a:pPr lvl="1"/>
             <a:r>
-              <a:rPr lang="en-US" dirty="0" smtClean="0"/>
+              <a:rPr lang="en-US" dirty="0"/>
               <a:t>test by creating scenarios and checking whether your objects have the right properties afterwards.</a:t>
             </a:r>
           </a:p>
           <a:p>
             <a:pPr lvl="1"/>
             <a:r>
-              <a:rPr lang="en-US" dirty="0" smtClean="0"/>
+              <a:rPr lang="en-US" dirty="0"/>
               <a:t>ok to add </a:t>
             </a:r>
             <a:r>
-              <a:rPr lang="en-US" b="1" dirty="0" smtClean="0"/>
+              <a:rPr lang="en-US" b="1" dirty="0"/>
               <a:t>for-test: </a:t>
             </a:r>
             <a:r>
-              <a:rPr lang="en-US" dirty="0" smtClean="0"/>
+              <a:rPr lang="en-US" dirty="0"/>
               <a:t>methods, but only for debugging.</a:t>
             </a:r>
-            <a:endParaRPr lang="en-US" b="1" dirty="0" smtClean="0"/>
+            <a:endParaRPr lang="en-US" b="1" dirty="0"/>
           </a:p>
         </p:txBody>
       </p:sp>
@@ -7212,13 +6899,6 @@
   <p:clrMapOvr>
     <a:masterClrMapping/>
   </p:clrMapOvr>
-  <p:timing>
-    <p:tnLst>
-      <p:par>
-        <p:cTn id="1" dur="indefinite" restart="never" nodeType="tmRoot"/>
-      </p:par>
-    </p:tnLst>
-  </p:timing>
 </p:sld>
 </file>
 
@@ -7255,10 +6935,9 @@
           <a:lstStyle/>
           <a:p>
             <a:r>
-              <a:rPr lang="en-US" dirty="0" smtClean="0"/>
+              <a:rPr lang="en-US" dirty="0"/>
               <a:t>Next Steps</a:t>
             </a:r>
-            <a:endParaRPr lang="en-US" dirty="0"/>
           </a:p>
         </p:txBody>
       </p:sp>
@@ -7278,22 +6957,29 @@
           <a:lstStyle/>
           <a:p>
             <a:r>
-              <a:rPr lang="en-US" dirty="0" smtClean="0"/>
-              <a:t>Study example 09-6-testing.rkt in the Examples folder.</a:t>
-            </a:r>
-          </a:p>
-          <a:p>
-            <a:r>
-              <a:rPr lang="en-US" dirty="0" smtClean="0"/>
+              <a:rPr lang="en-US" dirty="0"/>
+              <a:t>Study </a:t>
+            </a:r>
+            <a:r>
+              <a:rPr lang="en-US"/>
+              <a:t>example 09-4-testing.rkt </a:t>
+            </a:r>
+            <a:r>
+              <a:rPr lang="en-US" dirty="0"/>
+              <a:t>in the Examples folder.</a:t>
+            </a:r>
+          </a:p>
+          <a:p>
+            <a:r>
+              <a:rPr lang="en-US" dirty="0"/>
               <a:t>If you have questions about this lesson, ask them on the Discussion Board</a:t>
             </a:r>
           </a:p>
           <a:p>
             <a:r>
-              <a:rPr lang="en-US" dirty="0" smtClean="0"/>
+              <a:rPr lang="en-US" dirty="0"/>
               <a:t>Go on to the next lesson</a:t>
             </a:r>
-            <a:endParaRPr lang="en-US" dirty="0"/>
           </a:p>
         </p:txBody>
       </p:sp>
@@ -7330,13 +7016,6 @@
   <p:clrMapOvr>
     <a:masterClrMapping/>
   </p:clrMapOvr>
-  <p:timing>
-    <p:tnLst>
-      <p:par>
-        <p:cTn id="1" dur="indefinite" restart="never" nodeType="tmRoot"/>
-      </p:par>
-    </p:tnLst>
-  </p:timing>
 </p:sld>
 </file>
 
@@ -7373,10 +7052,9 @@
           <a:lstStyle/>
           <a:p>
             <a:r>
-              <a:rPr lang="en-US" dirty="0" smtClean="0"/>
+              <a:rPr lang="en-US" dirty="0"/>
               <a:t>An example</a:t>
             </a:r>
-            <a:endParaRPr lang="en-US" dirty="0"/>
           </a:p>
         </p:txBody>
       </p:sp>
@@ -7396,10 +7074,9 @@
           <a:lstStyle/>
           <a:p>
             <a:r>
-              <a:rPr lang="en-US" dirty="0" smtClean="0"/>
+              <a:rPr lang="en-US" dirty="0"/>
               <a:t>Let’s consider a really simple interface:</a:t>
             </a:r>
-            <a:endParaRPr lang="en-US" dirty="0"/>
           </a:p>
         </p:txBody>
       </p:sp>
@@ -7436,13 +7113,6 @@
   <p:clrMapOvr>
     <a:masterClrMapping/>
   </p:clrMapOvr>
-  <p:timing>
-    <p:tnLst>
-      <p:par>
-        <p:cTn id="1" dur="indefinite" restart="never" nodeType="tmRoot"/>
-      </p:par>
-    </p:tnLst>
-  </p:timing>
 </p:sld>
 </file>
 
@@ -7479,14 +7149,13 @@
           <a:lstStyle/>
           <a:p>
             <a:r>
-              <a:rPr lang="en-US" b="1" dirty="0" err="1" smtClean="0"/>
+              <a:rPr lang="en-US" b="1" dirty="0" err="1"/>
               <a:t>StupidRobot</a:t>
             </a:r>
             <a:r>
-              <a:rPr lang="en-US" b="1" dirty="0" smtClean="0"/>
+              <a:rPr lang="en-US" b="1" dirty="0"/>
               <a:t>&lt;%&gt;</a:t>
             </a:r>
-            <a:endParaRPr lang="en-US" b="1" dirty="0"/>
           </a:p>
         </p:txBody>
       </p:sp>
@@ -7503,40 +7172,13 @@
         <p:spPr/>
         <p:txBody>
           <a:bodyPr>
-            <a:normAutofit fontScale="47500" lnSpcReduction="20000"/>
+            <a:normAutofit fontScale="40000" lnSpcReduction="20000"/>
           </a:bodyPr>
           <a:lstStyle/>
           <a:p>
             <a:r>
-              <a:rPr lang="en-US" dirty="0" smtClean="0"/>
+              <a:rPr lang="en-US" dirty="0"/>
               <a:t>;; A </a:t>
-            </a:r>
-            <a:r>
-              <a:rPr lang="en-US" dirty="0" err="1" smtClean="0"/>
-              <a:t>StupidRobot</a:t>
-            </a:r>
-            <a:r>
-              <a:rPr lang="en-US" dirty="0" smtClean="0"/>
-              <a:t> represents a robot moving along a one-dimensional line, </a:t>
-            </a:r>
-          </a:p>
-          <a:p>
-            <a:r>
-              <a:rPr lang="en-US" dirty="0" smtClean="0"/>
-              <a:t>;; starting at position 0.</a:t>
-            </a:r>
-          </a:p>
-          <a:p>
-            <a:endParaRPr lang="en-US" dirty="0"/>
-          </a:p>
-          <a:p>
-            <a:r>
-              <a:rPr lang="en-US" dirty="0" smtClean="0"/>
-              <a:t>(</a:t>
-            </a:r>
-            <a:r>
-              <a:rPr lang="en-US" dirty="0"/>
-              <a:t>define </a:t>
             </a:r>
             <a:r>
               <a:rPr lang="en-US" dirty="0" err="1"/>
@@ -7544,22 +7186,13 @@
             </a:r>
             <a:r>
               <a:rPr lang="en-US" dirty="0"/>
-              <a:t>&lt;%&gt;</a:t>
-            </a:r>
-          </a:p>
-          <a:p>
-            <a:r>
-              <a:rPr lang="en-US" dirty="0"/>
-              <a:t>  (interface ()</a:t>
-            </a:r>
-          </a:p>
-          <a:p>
-            <a:endParaRPr lang="en-US" dirty="0"/>
-          </a:p>
-          <a:p>
-            <a:r>
-              <a:rPr lang="en-US" dirty="0"/>
-              <a:t>    ;; a new </a:t>
+              <a:t> is an object of any class that implements</a:t>
+            </a:r>
+          </a:p>
+          <a:p>
+            <a:r>
+              <a:rPr lang="en-US" dirty="0"/>
+              <a:t>;; </a:t>
             </a:r>
             <a:r>
               <a:rPr lang="en-US" dirty="0" err="1"/>
@@ -7567,19 +7200,16 @@
             </a:r>
             <a:r>
               <a:rPr lang="en-US" dirty="0"/>
-              <a:t>&lt;%&gt; is required to start at position 0</a:t>
-            </a:r>
-          </a:p>
-          <a:p>
-            <a:r>
-              <a:rPr lang="en-US" dirty="0"/>
-              <a:t>    </a:t>
-            </a:r>
-          </a:p>
-          <a:p>
-            <a:r>
-              <a:rPr lang="en-US" dirty="0"/>
-              <a:t>    ;; -&gt; </a:t>
+              <a:t>&lt;%&gt;</a:t>
+            </a:r>
+          </a:p>
+          <a:p>
+            <a:endParaRPr lang="en-US" dirty="0"/>
+          </a:p>
+          <a:p>
+            <a:r>
+              <a:rPr lang="en-US" dirty="0"/>
+              <a:t>;; Interpretation: A </a:t>
             </a:r>
             <a:r>
               <a:rPr lang="en-US" dirty="0" err="1"/>
@@ -7587,28 +7217,82 @@
             </a:r>
             <a:r>
               <a:rPr lang="en-US" dirty="0"/>
+              <a:t> represents a robot moving along a</a:t>
+            </a:r>
+          </a:p>
+          <a:p>
+            <a:r>
+              <a:rPr lang="en-US" dirty="0"/>
+              <a:t>;; one-dimensional line, starting at position 0.</a:t>
+            </a:r>
+          </a:p>
+          <a:p>
+            <a:endParaRPr lang="en-US" dirty="0"/>
+          </a:p>
+          <a:p>
+            <a:r>
+              <a:rPr lang="en-US" dirty="0"/>
+              <a:t>(define </a:t>
+            </a:r>
+            <a:r>
+              <a:rPr lang="en-US" dirty="0" err="1"/>
+              <a:t>StupidRobot</a:t>
+            </a:r>
+            <a:r>
+              <a:rPr lang="en-US" dirty="0"/>
               <a:t>&lt;%&gt;</a:t>
             </a:r>
           </a:p>
           <a:p>
             <a:r>
               <a:rPr lang="en-US" dirty="0"/>
+              <a:t>  (interface ()</a:t>
+            </a:r>
+          </a:p>
+          <a:p>
+            <a:endParaRPr lang="en-US" dirty="0"/>
+          </a:p>
+          <a:p>
+            <a:r>
+              <a:rPr lang="en-US" dirty="0"/>
+              <a:t>    ;; a new </a:t>
+            </a:r>
+            <a:r>
+              <a:rPr lang="en-US" dirty="0" err="1"/>
+              <a:t>StupidRobot</a:t>
+            </a:r>
+            <a:r>
+              <a:rPr lang="en-US" dirty="0"/>
+              <a:t> is required to start at position 0</a:t>
+            </a:r>
+          </a:p>
+          <a:p>
+            <a:r>
+              <a:rPr lang="en-US" dirty="0"/>
+              <a:t>    </a:t>
+            </a:r>
+          </a:p>
+          <a:p>
+            <a:r>
+              <a:rPr lang="en-US" dirty="0"/>
+              <a:t>    ;; -&gt; </a:t>
+            </a:r>
+            <a:r>
+              <a:rPr lang="en-US" dirty="0" err="1"/>
+              <a:t>StupidRobot</a:t>
+            </a:r>
+            <a:endParaRPr lang="en-US" dirty="0"/>
+          </a:p>
+          <a:p>
+            <a:r>
+              <a:rPr lang="en-US" dirty="0"/>
               <a:t>    ;; RETURNS: a Robot just like this one, except moved one </a:t>
             </a:r>
-            <a:endParaRPr lang="en-US" dirty="0" smtClean="0"/>
-          </a:p>
-          <a:p>
-            <a:r>
-              <a:rPr lang="en-US" dirty="0"/>
-              <a:t> </a:t>
-            </a:r>
-            <a:r>
-              <a:rPr lang="en-US" dirty="0" smtClean="0"/>
-              <a:t>   ;; position to </a:t>
-            </a:r>
-            <a:r>
-              <a:rPr lang="en-US" dirty="0"/>
-              <a:t>the right</a:t>
+          </a:p>
+          <a:p>
+            <a:r>
+              <a:rPr lang="en-US" dirty="0"/>
+              <a:t>    ;; position to the right</a:t>
             </a:r>
           </a:p>
           <a:p>
@@ -7629,15 +7313,7 @@
           <a:p>
             <a:r>
               <a:rPr lang="en-US" dirty="0"/>
-              <a:t>    ;; RETURNS: the current x-position of </a:t>
-            </a:r>
-            <a:r>
-              <a:rPr lang="en-US" dirty="0" smtClean="0"/>
-              <a:t>this </a:t>
-            </a:r>
-            <a:r>
-              <a:rPr lang="en-US" dirty="0"/>
-              <a:t>robot</a:t>
+              <a:t>    ;; RETURNS: the current x-position of this robot</a:t>
             </a:r>
           </a:p>
           <a:p>
@@ -7677,12 +7353,14 @@
             <a:avLst/>
           </a:prstGeom>
           <a:solidFill>
-            <a:schemeClr val="accent3">
-              <a:lumMod val="40000"/>
-              <a:lumOff val="60000"/>
+            <a:schemeClr val="accent1">
+              <a:lumMod val="20000"/>
+              <a:lumOff val="80000"/>
             </a:schemeClr>
           </a:solidFill>
-          <a:ln/>
+          <a:ln>
+            <a:noFill/>
+          </a:ln>
         </p:spPr>
         <p:style>
           <a:lnRef idx="2">
@@ -7708,7 +7386,7 @@
           <a:lstStyle/>
           <a:p>
             <a:r>
-              <a:rPr lang="en-US" sz="2000" dirty="0" smtClean="0">
+              <a:rPr lang="en-US" sz="2000" dirty="0">
                 <a:solidFill>
                   <a:schemeClr val="tx1"/>
                 </a:solidFill>
@@ -7756,6 +7434,115 @@
           </a:fontRef>
         </p:style>
       </p:cxnSp>
+      <p:sp>
+        <p:nvSpPr>
+          <p:cNvPr id="3" name="Rectangle 2"/>
+          <p:cNvSpPr/>
+          <p:nvPr/>
+        </p:nvSpPr>
+        <p:spPr>
+          <a:xfrm>
+            <a:off x="6638925" y="2609850"/>
+            <a:ext cx="2409825" cy="1428750"/>
+          </a:xfrm>
+          <a:prstGeom prst="rect">
+            <a:avLst/>
+          </a:prstGeom>
+          <a:solidFill>
+            <a:schemeClr val="accent1">
+              <a:lumMod val="20000"/>
+              <a:lumOff val="80000"/>
+            </a:schemeClr>
+          </a:solidFill>
+          <a:ln>
+            <a:noFill/>
+          </a:ln>
+        </p:spPr>
+        <p:style>
+          <a:lnRef idx="2">
+            <a:schemeClr val="accent1"/>
+          </a:lnRef>
+          <a:fillRef idx="1">
+            <a:schemeClr val="lt1"/>
+          </a:fillRef>
+          <a:effectRef idx="0">
+            <a:schemeClr val="accent1"/>
+          </a:effectRef>
+          <a:fontRef idx="minor">
+            <a:schemeClr val="dk1"/>
+          </a:fontRef>
+        </p:style>
+        <p:txBody>
+          <a:bodyPr rot="0" spcFirstLastPara="0" vertOverflow="overflow" horzOverflow="overflow" vert="horz" wrap="square" lIns="91440" tIns="45720" rIns="91440" bIns="45720" numCol="1" spcCol="0" rtlCol="0" fromWordArt="0" anchor="ctr" anchorCtr="0" forceAA="0" compatLnSpc="1">
+            <a:prstTxWarp prst="textNoShape">
+              <a:avLst/>
+            </a:prstTxWarp>
+            <a:noAutofit/>
+          </a:bodyPr>
+          <a:lstStyle/>
+          <a:p>
+            <a:r>
+              <a:rPr lang="en-US" sz="1600" dirty="0">
+                <a:solidFill>
+                  <a:schemeClr val="tx1"/>
+                </a:solidFill>
+              </a:rPr>
+              <a:t>All </a:t>
+            </a:r>
+            <a:r>
+              <a:rPr lang="en-US" sz="1600" dirty="0" err="1">
+                <a:solidFill>
+                  <a:schemeClr val="tx1"/>
+                </a:solidFill>
+              </a:rPr>
+              <a:t>StupidRobots</a:t>
+            </a:r>
+            <a:r>
+              <a:rPr lang="en-US" sz="1600" dirty="0">
+                <a:solidFill>
+                  <a:schemeClr val="tx1"/>
+                </a:solidFill>
+              </a:rPr>
+              <a:t> must obey this additional condition (an invariant!) so we mention it here in the interface</a:t>
+            </a:r>
+          </a:p>
+        </p:txBody>
+      </p:sp>
+      <p:cxnSp>
+        <p:nvCxnSpPr>
+          <p:cNvPr id="9" name="Straight Arrow Connector 8"/>
+          <p:cNvCxnSpPr>
+            <a:stCxn id="3" idx="1"/>
+          </p:cNvCxnSpPr>
+          <p:nvPr/>
+        </p:nvCxnSpPr>
+        <p:spPr>
+          <a:xfrm flipH="1">
+            <a:off x="6257925" y="3324225"/>
+            <a:ext cx="381000" cy="123825"/>
+          </a:xfrm>
+          <a:prstGeom prst="straightConnector1">
+            <a:avLst/>
+          </a:prstGeom>
+          <a:ln>
+            <a:tailEnd type="triangle"/>
+          </a:ln>
+        </p:spPr>
+        <p:style>
+          <a:lnRef idx="1">
+            <a:schemeClr val="accent1"/>
+          </a:lnRef>
+          <a:fillRef idx="0">
+            <a:schemeClr val="accent1"/>
+          </a:fillRef>
+          <a:effectRef idx="0">
+            <a:schemeClr val="accent1"/>
+          </a:effectRef>
+          <a:fontRef idx="minor">
+            <a:schemeClr val="tx1"/>
+          </a:fontRef>
+        </p:style>
+      </p:cxnSp>
     </p:spTree>
     <p:extLst>
       <p:ext uri="{BB962C8B-B14F-4D97-AF65-F5344CB8AC3E}">
@@ -7766,13 +7553,6 @@
   <p:clrMapOvr>
     <a:masterClrMapping/>
   </p:clrMapOvr>
-  <p:timing>
-    <p:tnLst>
-      <p:par>
-        <p:cTn id="1" dur="indefinite" restart="never" nodeType="tmRoot"/>
-      </p:par>
-    </p:tnLst>
-  </p:timing>
 </p:sld>
 </file>
 
@@ -7809,10 +7589,9 @@
           <a:lstStyle/>
           <a:p>
             <a:r>
-              <a:rPr lang="en-US" dirty="0" smtClean="0"/>
+              <a:rPr lang="en-US" dirty="0"/>
               <a:t>Scenario and Observation</a:t>
             </a:r>
-            <a:endParaRPr lang="en-US" dirty="0"/>
           </a:p>
         </p:txBody>
       </p:sp>
@@ -7844,25 +7623,25 @@
               </a:spcBef>
             </a:pPr>
             <a:r>
-              <a:rPr lang="en-US" b="0" dirty="0" smtClean="0">
+              <a:rPr lang="en-US" b="0" dirty="0">
                 <a:latin typeface="+mn-lt"/>
               </a:rPr>
               <a:t>If we have a correct implementation of </a:t>
             </a:r>
             <a:r>
-              <a:rPr lang="en-US" dirty="0" err="1" smtClean="0">
+              <a:rPr lang="en-US" dirty="0" err="1">
                 <a:latin typeface="+mn-lt"/>
               </a:rPr>
               <a:t>StupidRobot</a:t>
             </a:r>
             <a:r>
-              <a:rPr lang="en-US" dirty="0" smtClean="0">
+              <a:rPr lang="en-US" dirty="0">
                 <a:latin typeface="+mn-lt"/>
               </a:rPr>
               <a:t>&lt;%&gt;</a:t>
             </a:r>
             <a:r>
-              <a:rPr lang="en-US" b="0" dirty="0" smtClean="0">
+              <a:rPr lang="en-US" b="0" dirty="0">
                 <a:latin typeface="+mn-lt"/>
               </a:rPr>
               <a:t>, the following test should pass:</a:t>
@@ -7874,7 +7653,7 @@
                 <a:spcPts val="0"/>
               </a:spcBef>
             </a:pPr>
-            <a:endParaRPr lang="en-US" b="0" dirty="0" smtClean="0">
+            <a:endParaRPr lang="en-US" b="0" dirty="0">
               <a:latin typeface="+mn-lt"/>
             </a:endParaRPr>
           </a:p>
@@ -7904,10 +7683,9 @@
               <a:t>StupidRobot</a:t>
             </a:r>
             <a:r>
-              <a:rPr lang="en-US" sz="2200" dirty="0" smtClean="0"/>
+              <a:rPr lang="en-US" sz="2200" dirty="0"/>
               <a:t>&lt;%&gt;..)</a:t>
             </a:r>
-            <a:endParaRPr lang="en-US" sz="2200" dirty="0"/>
           </a:p>
           <a:p>
             <a:pPr>
@@ -7928,11 +7706,7 @@
             </a:pPr>
             <a:r>
               <a:rPr lang="en-US" sz="2200" dirty="0"/>
-              <a:t>   (define r1 (send (send r0 move-right) move-right</a:t>
-            </a:r>
-            <a:r>
-              <a:rPr lang="en-US" sz="2200" dirty="0" smtClean="0"/>
-              <a:t>)))</a:t>
+              <a:t>   (define r1 (send (send r0 move-right) move-right)))</a:t>
             </a:r>
           </a:p>
           <a:p>
@@ -7943,21 +7717,16 @@
             </a:pPr>
             <a:r>
               <a:rPr lang="en-US" sz="2200" dirty="0"/>
-              <a:t> </a:t>
-            </a:r>
-            <a:r>
-              <a:rPr lang="en-US" sz="2200" dirty="0" smtClean="0"/>
-              <a:t> ;; get-</a:t>
-            </a:r>
-            <a:r>
-              <a:rPr lang="en-US" sz="2200" dirty="0" err="1" smtClean="0"/>
+              <a:t>  ;; get-</a:t>
+            </a:r>
+            <a:r>
+              <a:rPr lang="en-US" sz="2200" dirty="0" err="1"/>
               <a:t>pos</a:t>
             </a:r>
             <a:r>
-              <a:rPr lang="en-US" sz="2200" dirty="0" smtClean="0"/>
+              <a:rPr lang="en-US" sz="2200" dirty="0"/>
               <a:t> should then return 2</a:t>
             </a:r>
-            <a:endParaRPr lang="en-US" sz="2200" dirty="0"/>
           </a:p>
           <a:p>
             <a:pPr>
@@ -7999,7 +7768,6 @@
               <a:rPr lang="en-US" sz="2200" dirty="0"/>
               <a:t>    2))</a:t>
             </a:r>
-            <a:endParaRPr lang="en-US" sz="2200" dirty="0" smtClean="0"/>
           </a:p>
         </p:txBody>
       </p:sp>
@@ -8013,13 +7781,6 @@
   <p:clrMapOvr>
     <a:masterClrMapping/>
   </p:clrMapOvr>
-  <p:timing>
-    <p:tnLst>
-      <p:par>
-        <p:cTn id="1" dur="indefinite" restart="never" nodeType="tmRoot"/>
-      </p:par>
-    </p:tnLst>
-  </p:timing>
 </p:sld>
 </file>
 
@@ -8056,29 +7817,57 @@
           <a:lstStyle/>
           <a:p>
             <a:r>
-              <a:rPr lang="en-US" dirty="0" smtClean="0"/>
+              <a:rPr lang="en-US" dirty="0"/>
               <a:t>The "obvious" implementation</a:t>
             </a:r>
+          </a:p>
+        </p:txBody>
+      </p:sp>
+      <p:sp>
+        <p:nvSpPr>
+          <p:cNvPr id="3" name="Content Placeholder 2"/>
+          <p:cNvSpPr>
+            <a:spLocks noGrp="1"/>
+          </p:cNvSpPr>
+          <p:nvPr>
+            <p:ph idx="1"/>
+          </p:nvPr>
+        </p:nvSpPr>
+        <p:spPr/>
+        <p:txBody>
+          <a:bodyPr>
+            <a:normAutofit fontScale="47500" lnSpcReduction="20000"/>
+          </a:bodyPr>
+          <a:lstStyle/>
+          <a:p>
+            <a:r>
+              <a:rPr lang="en-US" dirty="0"/>
+              <a:t>;; Constructor Template for Robot1%</a:t>
+            </a:r>
+          </a:p>
+          <a:p>
+            <a:r>
+              <a:rPr lang="en-US" dirty="0"/>
+              <a:t>;; (new Robot1% [x </a:t>
+            </a:r>
+            <a:r>
+              <a:rPr lang="en-US" dirty="0" err="1"/>
+              <a:t>NonNegInt</a:t>
+            </a:r>
+            <a:r>
+              <a:rPr lang="en-US" dirty="0"/>
+              <a:t>])</a:t>
+            </a:r>
+          </a:p>
+          <a:p>
+            <a:r>
+              <a:rPr lang="en-US" dirty="0"/>
+              <a:t>;; x is optional; default is 0</a:t>
+            </a:r>
+          </a:p>
+          <a:p>
             <a:endParaRPr lang="en-US" dirty="0"/>
           </a:p>
-        </p:txBody>
-      </p:sp>
-      <p:sp>
-        <p:nvSpPr>
-          <p:cNvPr id="3" name="Content Placeholder 2"/>
-          <p:cNvSpPr>
-            <a:spLocks noGrp="1"/>
-          </p:cNvSpPr>
-          <p:nvPr>
-            <p:ph idx="1"/>
-          </p:nvPr>
-        </p:nvSpPr>
-        <p:spPr/>
-        <p:txBody>
-          <a:bodyPr>
-            <a:normAutofit fontScale="55000" lnSpcReduction="20000"/>
-          </a:bodyPr>
-          <a:lstStyle/>
           <a:p>
             <a:r>
               <a:rPr lang="en-US" dirty="0"/>
@@ -8115,16 +7904,11 @@
               <a:rPr lang="en-US" dirty="0"/>
               <a:t>-field [x 0])  </a:t>
             </a:r>
-            <a:endParaRPr lang="en-US" dirty="0" smtClean="0"/>
-          </a:p>
-          <a:p>
-            <a:r>
-              <a:rPr lang="en-US" dirty="0"/>
-              <a:t> </a:t>
-            </a:r>
-            <a:r>
-              <a:rPr lang="en-US" dirty="0" smtClean="0"/>
-              <a:t>   ;; </a:t>
+          </a:p>
+          <a:p>
+            <a:r>
+              <a:rPr lang="en-US" dirty="0"/>
+              <a:t>    ;; </a:t>
             </a:r>
             <a:r>
               <a:rPr lang="en-US" dirty="0" err="1"/>
@@ -8213,19 +7997,21 @@
         </p:nvSpPr>
         <p:spPr>
           <a:xfrm>
-            <a:off x="4751399" y="3275252"/>
-            <a:ext cx="3287949" cy="1459149"/>
+            <a:off x="2293949" y="5476639"/>
+            <a:ext cx="3287949" cy="729575"/>
           </a:xfrm>
           <a:prstGeom prst="rect">
             <a:avLst/>
           </a:prstGeom>
           <a:solidFill>
-            <a:schemeClr val="accent3">
-              <a:lumMod val="40000"/>
-              <a:lumOff val="60000"/>
+            <a:schemeClr val="accent1">
+              <a:lumMod val="20000"/>
+              <a:lumOff val="80000"/>
             </a:schemeClr>
           </a:solidFill>
-          <a:ln/>
+          <a:ln>
+            <a:noFill/>
+          </a:ln>
         </p:spPr>
         <p:style>
           <a:lnRef idx="2">
@@ -8251,17 +8037,7 @@
           <a:lstStyle/>
           <a:p>
             <a:r>
-              <a:rPr lang="en-US" sz="2000" dirty="0" smtClean="0">
-                <a:solidFill>
-                  <a:schemeClr val="tx1"/>
-                </a:solidFill>
-              </a:rPr>
-              <a:t>Here the observable is the value of a field.</a:t>
-            </a:r>
-          </a:p>
-          <a:p>
-            <a:r>
-              <a:rPr lang="en-US" sz="2000" dirty="0" smtClean="0">
+              <a:rPr lang="en-US" sz="2000" dirty="0">
                 <a:solidFill>
                   <a:schemeClr val="tx1"/>
                 </a:solidFill>
@@ -8269,7 +8045,7 @@
               <a:t>Of course, our choice of </a:t>
             </a:r>
             <a:r>
-              <a:rPr lang="en-US" sz="2000" b="1" dirty="0" smtClean="0">
+              <a:rPr lang="en-US" sz="2000" b="1" dirty="0">
                 <a:solidFill>
                   <a:schemeClr val="tx1"/>
                 </a:solidFill>
@@ -8277,7 +8053,7 @@
               <a:t>x</a:t>
             </a:r>
             <a:r>
-              <a:rPr lang="en-US" sz="2000" dirty="0" smtClean="0">
+              <a:rPr lang="en-US" sz="2000" dirty="0">
                 <a:solidFill>
                   <a:schemeClr val="tx1"/>
                 </a:solidFill>
@@ -8287,6 +8063,41 @@
           </a:p>
         </p:txBody>
       </p:sp>
+      <p:cxnSp>
+        <p:nvCxnSpPr>
+          <p:cNvPr id="6" name="Straight Arrow Connector 5"/>
+          <p:cNvCxnSpPr>
+            <a:stCxn id="4" idx="1"/>
+          </p:cNvCxnSpPr>
+          <p:nvPr/>
+        </p:nvCxnSpPr>
+        <p:spPr>
+          <a:xfrm flipH="1" flipV="1">
+            <a:off x="1438275" y="5476639"/>
+            <a:ext cx="855674" cy="364788"/>
+          </a:xfrm>
+          <a:prstGeom prst="straightConnector1">
+            <a:avLst/>
+          </a:prstGeom>
+          <a:ln>
+            <a:tailEnd type="triangle"/>
+          </a:ln>
+        </p:spPr>
+        <p:style>
+          <a:lnRef idx="1">
+            <a:schemeClr val="accent1"/>
+          </a:lnRef>
+          <a:fillRef idx="0">
+            <a:schemeClr val="accent1"/>
+          </a:fillRef>
+          <a:effectRef idx="0">
+            <a:schemeClr val="accent1"/>
+          </a:effectRef>
+          <a:fontRef idx="minor">
+            <a:schemeClr val="tx1"/>
+          </a:fontRef>
+        </p:style>
+      </p:cxnSp>
     </p:spTree>
     <p:extLst>
       <p:ext uri="{BB962C8B-B14F-4D97-AF65-F5344CB8AC3E}">
@@ -8297,13 +8108,6 @@
   <p:clrMapOvr>
     <a:masterClrMapping/>
   </p:clrMapOvr>
-  <p:timing>
-    <p:tnLst>
-      <p:par>
-        <p:cTn id="1" dur="indefinite" restart="never" nodeType="tmRoot"/>
-      </p:par>
-    </p:tnLst>
-  </p:timing>
 </p:sld>
 </file>
 
@@ -8342,39 +8146,78 @@
           <a:lstStyle/>
           <a:p>
             <a:r>
-              <a:rPr lang="en-US" dirty="0" smtClean="0"/>
+              <a:rPr lang="en-US" dirty="0"/>
               <a:t>You could name fields anything you want</a:t>
             </a:r>
+          </a:p>
+        </p:txBody>
+      </p:sp>
+      <p:sp>
+        <p:nvSpPr>
+          <p:cNvPr id="3" name="Content Placeholder 2"/>
+          <p:cNvSpPr>
+            <a:spLocks noGrp="1"/>
+          </p:cNvSpPr>
+          <p:nvPr>
+            <p:ph idx="1"/>
+          </p:nvPr>
+        </p:nvSpPr>
+        <p:spPr/>
+        <p:txBody>
+          <a:bodyPr>
+            <a:normAutofit fontScale="47500" lnSpcReduction="20000"/>
+          </a:bodyPr>
+          <a:lstStyle/>
+          <a:p>
+            <a:r>
+              <a:rPr lang="en-US" dirty="0"/>
+              <a:t>;; Constructor Template for Robot2%</a:t>
+            </a:r>
+          </a:p>
+          <a:p>
+            <a:r>
+              <a:rPr lang="en-US" dirty="0"/>
+              <a:t>;; (new Robot2% [</a:t>
+            </a:r>
+            <a:r>
+              <a:rPr lang="en-US" dirty="0" err="1"/>
+              <a:t>blerch</a:t>
+            </a:r>
+            <a:r>
+              <a:rPr lang="en-US" dirty="0"/>
+              <a:t> </a:t>
+            </a:r>
+            <a:r>
+              <a:rPr lang="en-US" dirty="0" err="1"/>
+              <a:t>NonNegInt</a:t>
+            </a:r>
+            <a:r>
+              <a:rPr lang="en-US" dirty="0"/>
+              <a:t>])</a:t>
+            </a:r>
+          </a:p>
+          <a:p>
+            <a:r>
+              <a:rPr lang="en-US" dirty="0"/>
+              <a:t>;; </a:t>
+            </a:r>
+            <a:r>
+              <a:rPr lang="en-US" dirty="0" err="1"/>
+              <a:t>blerch</a:t>
+            </a:r>
+            <a:r>
+              <a:rPr lang="en-US" dirty="0"/>
+              <a:t> is optional; default is 0</a:t>
+            </a:r>
+          </a:p>
+          <a:p>
             <a:endParaRPr lang="en-US" dirty="0"/>
           </a:p>
-        </p:txBody>
-      </p:sp>
-      <p:sp>
-        <p:nvSpPr>
-          <p:cNvPr id="3" name="Content Placeholder 2"/>
-          <p:cNvSpPr>
-            <a:spLocks noGrp="1"/>
-          </p:cNvSpPr>
-          <p:nvPr>
-            <p:ph idx="1"/>
-          </p:nvPr>
-        </p:nvSpPr>
-        <p:spPr/>
-        <p:txBody>
-          <a:bodyPr>
-            <a:normAutofit fontScale="55000" lnSpcReduction="20000"/>
-          </a:bodyPr>
-          <a:lstStyle/>
-          <a:p>
-            <a:r>
-              <a:rPr lang="en-US" dirty="0"/>
-              <a:t>(define </a:t>
-            </a:r>
-            <a:r>
-              <a:rPr lang="en-US" dirty="0" smtClean="0"/>
-              <a:t>Robot2%</a:t>
-            </a:r>
-            <a:endParaRPr lang="en-US" dirty="0"/>
+          <a:p>
+            <a:r>
+              <a:rPr lang="en-US" dirty="0"/>
+              <a:t>(define Robot2%</a:t>
+            </a:r>
           </a:p>
           <a:p>
             <a:r>
@@ -8404,34 +8247,21 @@
             </a:r>
             <a:r>
               <a:rPr lang="en-US" dirty="0"/>
-              <a:t>-field </a:t>
-            </a:r>
-            <a:r>
-              <a:rPr lang="en-US" dirty="0" smtClean="0"/>
-              <a:t>[</a:t>
-            </a:r>
-            <a:r>
-              <a:rPr lang="en-US" dirty="0" err="1" smtClean="0"/>
+              <a:t>-field [</a:t>
+            </a:r>
+            <a:r>
+              <a:rPr lang="en-US" dirty="0" err="1"/>
               <a:t>blerch</a:t>
             </a:r>
             <a:r>
-              <a:rPr lang="en-US" dirty="0" smtClean="0"/>
-              <a:t> </a:t>
-            </a:r>
-            <a:r>
-              <a:rPr lang="en-US" dirty="0"/>
-              <a:t>0])  </a:t>
-            </a:r>
-            <a:endParaRPr lang="en-US" dirty="0" smtClean="0"/>
-          </a:p>
-          <a:p>
-            <a:r>
-              <a:rPr lang="en-US" dirty="0"/>
-              <a:t> </a:t>
-            </a:r>
-            <a:r>
-              <a:rPr lang="en-US" dirty="0" smtClean="0"/>
-              <a:t>   ;; </a:t>
+              <a:rPr lang="en-US" dirty="0"/>
+              <a:t> 0])  </a:t>
+            </a:r>
+          </a:p>
+          <a:p>
+            <a:r>
+              <a:rPr lang="en-US" dirty="0"/>
+              <a:t>    ;; </a:t>
             </a:r>
             <a:r>
               <a:rPr lang="en-US" dirty="0" err="1"/>
@@ -8463,35 +8293,23 @@
           <a:p>
             <a:r>
               <a:rPr lang="en-US" dirty="0"/>
-              <a:t>      (new </a:t>
-            </a:r>
-            <a:r>
-              <a:rPr lang="en-US" dirty="0" smtClean="0"/>
-              <a:t>Robot2% [</a:t>
-            </a:r>
-            <a:r>
-              <a:rPr lang="en-US" dirty="0" err="1" smtClean="0"/>
+              <a:t>      (new Robot2% [</a:t>
+            </a:r>
+            <a:r>
+              <a:rPr lang="en-US" dirty="0" err="1"/>
               <a:t>blerch</a:t>
             </a:r>
             <a:r>
-              <a:rPr lang="en-US" dirty="0" smtClean="0"/>
-              <a:t> </a:t>
-            </a:r>
-            <a:r>
-              <a:rPr lang="en-US" dirty="0"/>
-              <a:t>(+ </a:t>
-            </a:r>
-            <a:r>
-              <a:rPr lang="en-US" dirty="0" err="1" smtClean="0"/>
+              <a:rPr lang="en-US" dirty="0"/>
+              <a:t> (+ </a:t>
+            </a:r>
+            <a:r>
+              <a:rPr lang="en-US" dirty="0" err="1"/>
               <a:t>blerch</a:t>
             </a:r>
             <a:r>
-              <a:rPr lang="en-US" dirty="0" smtClean="0"/>
-              <a:t> </a:t>
-            </a:r>
-            <a:r>
-              <a:rPr lang="en-US" dirty="0"/>
-              <a:t>1)]))</a:t>
+              <a:rPr lang="en-US" dirty="0"/>
+              <a:t> 1)]))</a:t>
             </a:r>
           </a:p>
           <a:p>
@@ -8517,7 +8335,7 @@
               <a:t>      </a:t>
             </a:r>
             <a:r>
-              <a:rPr lang="en-US" dirty="0" err="1" smtClean="0">
+              <a:rPr lang="en-US" dirty="0" err="1">
                 <a:solidFill>
                   <a:srgbClr val="FF0000"/>
                 </a:solidFill>
@@ -8525,10 +8343,9 @@
               <a:t>blerch</a:t>
             </a:r>
             <a:r>
-              <a:rPr lang="en-US" dirty="0" smtClean="0"/>
+              <a:rPr lang="en-US" dirty="0"/>
               <a:t>)</a:t>
             </a:r>
-            <a:endParaRPr lang="en-US" dirty="0"/>
           </a:p>
           <a:p>
             <a:endParaRPr lang="en-US" dirty="0"/>
@@ -8556,12 +8373,14 @@
             <a:avLst/>
           </a:prstGeom>
           <a:solidFill>
-            <a:schemeClr val="accent3">
-              <a:lumMod val="40000"/>
-              <a:lumOff val="60000"/>
+            <a:schemeClr val="accent1">
+              <a:lumMod val="20000"/>
+              <a:lumOff val="80000"/>
             </a:schemeClr>
           </a:solidFill>
-          <a:ln/>
+          <a:ln>
+            <a:noFill/>
+          </a:ln>
         </p:spPr>
         <p:style>
           <a:lnRef idx="2">
@@ -8587,7 +8406,7 @@
           <a:lstStyle/>
           <a:p>
             <a:r>
-              <a:rPr lang="en-US" sz="2000" dirty="0" smtClean="0">
+              <a:rPr lang="en-US" sz="2000" dirty="0">
                 <a:solidFill>
                   <a:schemeClr val="tx1"/>
                 </a:solidFill>
@@ -8595,7 +8414,7 @@
               <a:t>Of course, our choice of </a:t>
             </a:r>
             <a:r>
-              <a:rPr lang="en-US" sz="2000" b="1" dirty="0" smtClean="0">
+              <a:rPr lang="en-US" sz="2000" b="1" dirty="0">
                 <a:solidFill>
                   <a:schemeClr val="tx1"/>
                 </a:solidFill>
@@ -8603,7 +8422,7 @@
               <a:t>x</a:t>
             </a:r>
             <a:r>
-              <a:rPr lang="en-US" sz="2000" dirty="0" smtClean="0">
+              <a:rPr lang="en-US" sz="2000" dirty="0">
                 <a:solidFill>
                   <a:schemeClr val="tx1"/>
                 </a:solidFill>
@@ -8623,13 +8442,6 @@
   <p:clrMapOvr>
     <a:masterClrMapping/>
   </p:clrMapOvr>
-  <p:timing>
-    <p:tnLst>
-      <p:par>
-        <p:cTn id="1" dur="indefinite" restart="never" nodeType="tmRoot"/>
-      </p:par>
-    </p:tnLst>
-  </p:timing>
 </p:sld>
 </file>
 
@@ -8668,39 +8480,68 @@
           <a:lstStyle/>
           <a:p>
             <a:r>
-              <a:rPr lang="en-US" dirty="0" smtClean="0"/>
+              <a:rPr lang="en-US" dirty="0"/>
               <a:t>But we could have done it differently</a:t>
             </a:r>
+          </a:p>
+        </p:txBody>
+      </p:sp>
+      <p:sp>
+        <p:nvSpPr>
+          <p:cNvPr id="3" name="Content Placeholder 2"/>
+          <p:cNvSpPr>
+            <a:spLocks noGrp="1"/>
+          </p:cNvSpPr>
+          <p:nvPr>
+            <p:ph idx="1"/>
+          </p:nvPr>
+        </p:nvSpPr>
+        <p:spPr/>
+        <p:txBody>
+          <a:bodyPr>
+            <a:normAutofit fontScale="40000" lnSpcReduction="20000"/>
+          </a:bodyPr>
+          <a:lstStyle/>
+          <a:p>
+            <a:r>
+              <a:rPr lang="en-US" dirty="0"/>
+              <a:t>;; Constructor Template for Robot3%</a:t>
+            </a:r>
+          </a:p>
+          <a:p>
+            <a:r>
+              <a:rPr lang="en-US" dirty="0"/>
+              <a:t>;; (new Robot3% [y </a:t>
+            </a:r>
+            <a:r>
+              <a:rPr lang="en-US" dirty="0" err="1"/>
+              <a:t>NonNegInt</a:t>
+            </a:r>
+            <a:r>
+              <a:rPr lang="en-US" dirty="0"/>
+              <a:t>])</a:t>
+            </a:r>
+          </a:p>
+          <a:p>
+            <a:r>
+              <a:rPr lang="en-US" dirty="0"/>
+              <a:t>;; y is the negative of the position of the robot</a:t>
+            </a:r>
+          </a:p>
+          <a:p>
+            <a:r>
+              <a:rPr lang="en-US" dirty="0"/>
+              <a:t>;; y is optional; default is 0</a:t>
+            </a:r>
+          </a:p>
+          <a:p>
             <a:endParaRPr lang="en-US" dirty="0"/>
           </a:p>
-        </p:txBody>
-      </p:sp>
-      <p:sp>
-        <p:nvSpPr>
-          <p:cNvPr id="3" name="Content Placeholder 2"/>
-          <p:cNvSpPr>
-            <a:spLocks noGrp="1"/>
-          </p:cNvSpPr>
-          <p:nvPr>
-            <p:ph idx="1"/>
-          </p:nvPr>
-        </p:nvSpPr>
-        <p:spPr/>
-        <p:txBody>
-          <a:bodyPr>
-            <a:normAutofit fontScale="55000" lnSpcReduction="20000"/>
-          </a:bodyPr>
-          <a:lstStyle/>
-          <a:p>
-            <a:r>
-              <a:rPr lang="en-US" dirty="0"/>
-              <a:t>(define </a:t>
-            </a:r>
-            <a:r>
-              <a:rPr lang="en-US" dirty="0" smtClean="0"/>
-              <a:t>Robot3%</a:t>
-            </a:r>
-            <a:endParaRPr lang="en-US" dirty="0"/>
+          <a:p>
+            <a:r>
+              <a:rPr lang="en-US" dirty="0"/>
+              <a:t>(define Robot3%</a:t>
+            </a:r>
           </a:p>
           <a:p>
             <a:r>
@@ -8732,16 +8573,11 @@
               <a:rPr lang="en-US" dirty="0"/>
               <a:t>-field [y 0])   </a:t>
             </a:r>
-            <a:endParaRPr lang="en-US" dirty="0" smtClean="0"/>
-          </a:p>
-          <a:p>
-            <a:r>
-              <a:rPr lang="en-US" dirty="0"/>
-              <a:t> </a:t>
-            </a:r>
-            <a:r>
-              <a:rPr lang="en-US" dirty="0" smtClean="0"/>
-              <a:t>   ;; </a:t>
+          </a:p>
+          <a:p>
+            <a:r>
+              <a:rPr lang="en-US" dirty="0"/>
+              <a:t>    ;; </a:t>
             </a:r>
             <a:r>
               <a:rPr lang="en-US" dirty="0" err="1"/>
@@ -8761,15 +8597,7 @@
             </a:r>
             <a:r>
               <a:rPr lang="en-US" dirty="0"/>
-              <a:t> of the position </a:t>
-            </a:r>
-            <a:r>
-              <a:rPr lang="en-US" dirty="0" smtClean="0"/>
-              <a:t>of the </a:t>
-            </a:r>
-            <a:r>
-              <a:rPr lang="en-US" dirty="0"/>
-              <a:t>robot.</a:t>
+              <a:t> of the position of the robot.</a:t>
             </a:r>
           </a:p>
           <a:p>
@@ -8793,15 +8621,7 @@
           <a:p>
             <a:r>
               <a:rPr lang="en-US" dirty="0"/>
-              <a:t>      (new </a:t>
-            </a:r>
-            <a:r>
-              <a:rPr lang="en-US" dirty="0" smtClean="0"/>
-              <a:t>Robot3% </a:t>
-            </a:r>
-            <a:r>
-              <a:rPr lang="en-US" dirty="0"/>
-              <a:t>[y (- y 1)]))</a:t>
+              <a:t>      (new Robot3% [y (- y 1)]))</a:t>
             </a:r>
           </a:p>
           <a:p>
@@ -8810,25 +8630,13 @@
           <a:p>
             <a:r>
               <a:rPr lang="en-US" dirty="0"/>
-              <a:t>    </a:t>
-            </a:r>
-            <a:r>
-              <a:rPr lang="en-US" dirty="0" smtClean="0"/>
-              <a:t>;; RETURNS: the x-position of the robot</a:t>
-            </a:r>
-          </a:p>
-          <a:p>
-            <a:r>
-              <a:rPr lang="en-US" dirty="0"/>
-              <a:t> </a:t>
-            </a:r>
-            <a:r>
-              <a:rPr lang="en-US" dirty="0" smtClean="0"/>
-              <a:t>   (</a:t>
-            </a:r>
-            <a:r>
-              <a:rPr lang="en-US" dirty="0"/>
-              <a:t>define/public (get-</a:t>
+              <a:t>    ;; RETURNS: the x-position of the robot</a:t>
+            </a:r>
+          </a:p>
+          <a:p>
+            <a:r>
+              <a:rPr lang="en-US" dirty="0"/>
+              <a:t>    (define/public (get-</a:t>
             </a:r>
             <a:r>
               <a:rPr lang="en-US" dirty="0" err="1"/>
@@ -8850,21 +8658,12 @@
                   <a:srgbClr val="FF0000"/>
                 </a:solidFill>
               </a:rPr>
-              <a:t>(- y</a:t>
-            </a:r>
-            <a:r>
-              <a:rPr lang="en-US" dirty="0" smtClean="0">
-                <a:solidFill>
-                  <a:srgbClr val="FF0000"/>
-                </a:solidFill>
-              </a:rPr>
+              <a:t>(- y)</a:t>
+            </a:r>
+            <a:r>
+              <a:rPr lang="en-US" dirty="0"/>
               <a:t>)</a:t>
             </a:r>
-            <a:r>
-              <a:rPr lang="en-US" dirty="0" smtClean="0"/>
-              <a:t>)</a:t>
-            </a:r>
-            <a:endParaRPr lang="en-US" dirty="0"/>
           </a:p>
           <a:p>
             <a:endParaRPr lang="en-US" dirty="0"/>
@@ -8892,12 +8691,14 @@
             <a:avLst/>
           </a:prstGeom>
           <a:solidFill>
-            <a:schemeClr val="accent3">
-              <a:lumMod val="40000"/>
-              <a:lumOff val="60000"/>
+            <a:schemeClr val="accent1">
+              <a:lumMod val="20000"/>
+              <a:lumOff val="80000"/>
             </a:schemeClr>
           </a:solidFill>
-          <a:ln/>
+          <a:ln>
+            <a:noFill/>
+          </a:ln>
         </p:spPr>
         <p:style>
           <a:lnRef idx="2">
@@ -8924,15 +8725,15 @@
           <a:p>
             <a:pPr algn="l"/>
             <a:r>
-              <a:rPr lang="en-US" dirty="0" smtClean="0"/>
+              <a:rPr lang="en-US" dirty="0"/>
               <a:t>Here the observable is </a:t>
             </a:r>
             <a:r>
-              <a:rPr lang="en-US" i="1" dirty="0" smtClean="0"/>
+              <a:rPr lang="en-US" i="1" dirty="0"/>
               <a:t>not</a:t>
             </a:r>
             <a:r>
-              <a:rPr lang="en-US" dirty="0" smtClean="0"/>
+              <a:rPr lang="en-US" dirty="0"/>
               <a:t> the value of any field.  The observation method translates the field value into the external value of the observable.</a:t>
             </a:r>
           </a:p>
@@ -8990,13 +8791,6 @@
   <p:clrMapOvr>
     <a:masterClrMapping/>
   </p:clrMapOvr>
-  <p:timing>
-    <p:tnLst>
-      <p:par>
-        <p:cTn id="1" dur="indefinite" restart="never" nodeType="tmRoot"/>
-      </p:par>
-    </p:tnLst>
-  </p:timing>
 </p:sld>
 </file>
 
@@ -9035,10 +8829,9 @@
           <a:lstStyle/>
           <a:p>
             <a:r>
-              <a:rPr lang="en-US" dirty="0" smtClean="0"/>
+              <a:rPr lang="en-US" dirty="0"/>
               <a:t>Or we could have done it very differently</a:t>
             </a:r>
-            <a:endParaRPr lang="en-US" dirty="0"/>
           </a:p>
         </p:txBody>
       </p:sp>
@@ -9052,7 +8845,12 @@
             <p:ph idx="1"/>
           </p:nvPr>
         </p:nvSpPr>
-        <p:spPr/>
+        <p:spPr>
+          <a:xfrm>
+            <a:off x="457200" y="1600200"/>
+            <a:ext cx="8229600" cy="4181475"/>
+          </a:xfrm>
+        </p:spPr>
         <p:txBody>
           <a:bodyPr>
             <a:noAutofit/>
@@ -9065,14 +8863,9 @@
               </a:spcBef>
             </a:pPr>
             <a:r>
-              <a:rPr lang="en-US" sz="1800" dirty="0"/>
-              <a:t>(define </a:t>
-            </a:r>
-            <a:r>
-              <a:rPr lang="en-US" sz="1800" dirty="0" smtClean="0"/>
-              <a:t>Robot4%</a:t>
-            </a:r>
-            <a:endParaRPr lang="en-US" sz="1800" dirty="0"/>
+              <a:rPr lang="en-US" sz="1400" dirty="0"/>
+              <a:t>;; Constructor Template for Robot4%:</a:t>
+            </a:r>
           </a:p>
           <a:p>
             <a:pPr>
@@ -9081,16 +8874,16 @@
               </a:spcBef>
             </a:pPr>
             <a:r>
-              <a:rPr lang="en-US" sz="1800" dirty="0"/>
-              <a:t>  (class* object% (</a:t>
-            </a:r>
-            <a:r>
-              <a:rPr lang="en-US" sz="1800" dirty="0" err="1"/>
-              <a:t>StupidRobot</a:t>
-            </a:r>
-            <a:r>
-              <a:rPr lang="en-US" sz="1800" dirty="0"/>
-              <a:t>&lt;%&gt;)</a:t>
+              <a:rPr lang="en-US" sz="1400" dirty="0"/>
+              <a:t>;; (new Robot4% [y </a:t>
+            </a:r>
+            <a:r>
+              <a:rPr lang="en-US" sz="1400" dirty="0" err="1"/>
+              <a:t>ListOfRacketValue</a:t>
+            </a:r>
+            <a:r>
+              <a:rPr lang="en-US" sz="1400" dirty="0"/>
+              <a:t>])</a:t>
             </a:r>
           </a:p>
           <a:p>
@@ -9099,7 +8892,10 @@
                 <a:spcPts val="0"/>
               </a:spcBef>
             </a:pPr>
-            <a:endParaRPr lang="en-US" sz="1800" dirty="0"/>
+            <a:r>
+              <a:rPr lang="en-US" sz="1400" dirty="0"/>
+              <a:t>;; x is any Racket list whose length is equal </a:t>
+            </a:r>
           </a:p>
           <a:p>
             <a:pPr>
@@ -9108,18 +8904,9 @@
               </a:spcBef>
             </a:pPr>
             <a:r>
-              <a:rPr lang="en-US" sz="1800" dirty="0"/>
-              <a:t>    (</a:t>
-            </a:r>
-            <a:r>
-              <a:rPr lang="en-US" sz="1800" dirty="0" err="1"/>
-              <a:t>init</a:t>
-            </a:r>
-            <a:r>
-              <a:rPr lang="en-US" sz="1800" dirty="0"/>
-              <a:t>-field [x empty])    </a:t>
-            </a:r>
-            <a:endParaRPr lang="en-US" sz="1800" dirty="0" smtClean="0"/>
+              <a:rPr lang="en-US" sz="1400" dirty="0"/>
+              <a:t>;; to the position of the robot. </a:t>
+            </a:r>
           </a:p>
           <a:p>
             <a:pPr>
@@ -9128,20 +8915,8 @@
               </a:spcBef>
             </a:pPr>
             <a:r>
-              <a:rPr lang="en-US" sz="1800" dirty="0"/>
-              <a:t> </a:t>
-            </a:r>
-            <a:r>
-              <a:rPr lang="en-US" sz="1800" dirty="0" smtClean="0"/>
-              <a:t>   ;; </a:t>
-            </a:r>
-            <a:r>
-              <a:rPr lang="en-US" sz="1800" dirty="0" err="1" smtClean="0"/>
-              <a:t>Interp</a:t>
-            </a:r>
-            <a:r>
-              <a:rPr lang="en-US" sz="1800" dirty="0" smtClean="0"/>
-              <a:t>:</a:t>
+              <a:rPr lang="en-US" sz="1400" dirty="0"/>
+              <a:t>;; x is optional; default is 0</a:t>
             </a:r>
           </a:p>
           <a:p>
@@ -9151,24 +8926,8 @@
               </a:spcBef>
             </a:pPr>
             <a:r>
-              <a:rPr lang="en-US" sz="1800" dirty="0"/>
-              <a:t> </a:t>
-            </a:r>
-            <a:r>
-              <a:rPr lang="en-US" sz="1800" dirty="0" smtClean="0"/>
-              <a:t>   ;; a </a:t>
-            </a:r>
-            <a:r>
-              <a:rPr lang="en-US" sz="1800" dirty="0"/>
-              <a:t>list whose length is equal to </a:t>
-            </a:r>
-            <a:r>
-              <a:rPr lang="en-US" sz="1800" dirty="0" smtClean="0"/>
-              <a:t>the </a:t>
-            </a:r>
-            <a:r>
-              <a:rPr lang="en-US" sz="1800" dirty="0"/>
-              <a:t>position of the robot</a:t>
+              <a:rPr lang="en-US" sz="1400" dirty="0"/>
+              <a:t>(define Robot4%</a:t>
             </a:r>
           </a:p>
           <a:p>
@@ -9178,8 +8937,16 @@
               </a:spcBef>
             </a:pPr>
             <a:r>
-              <a:rPr lang="en-US" sz="1800" dirty="0" smtClean="0"/>
-              <a:t>    </a:t>
+              <a:rPr lang="en-US" sz="1400" dirty="0"/>
+              <a:t>  (class* object% (</a:t>
+            </a:r>
+            <a:r>
+              <a:rPr lang="en-US" sz="1400" dirty="0" err="1"/>
+              <a:t>StupidRobot</a:t>
+            </a:r>
+            <a:r>
+              <a:rPr lang="en-US" sz="1400" dirty="0"/>
+              <a:t>&lt;%&gt;)</a:t>
             </a:r>
           </a:p>
           <a:p>
@@ -9188,10 +8955,7 @@
                 <a:spcPts val="0"/>
               </a:spcBef>
             </a:pPr>
-            <a:r>
-              <a:rPr lang="en-US" sz="1800" dirty="0" smtClean="0"/>
-              <a:t>    (super-new)</a:t>
-            </a:r>
+            <a:endParaRPr lang="en-US" sz="1400" dirty="0"/>
           </a:p>
           <a:p>
             <a:pPr>
@@ -9199,7 +8963,18 @@
                 <a:spcPts val="0"/>
               </a:spcBef>
             </a:pPr>
-            <a:endParaRPr lang="en-US" sz="1800" dirty="0"/>
+            <a:r>
+              <a:rPr lang="en-US" sz="1400" dirty="0"/>
+              <a:t>    (</a:t>
+            </a:r>
+            <a:r>
+              <a:rPr lang="en-US" sz="1400" dirty="0" err="1"/>
+              <a:t>init</a:t>
+            </a:r>
+            <a:r>
+              <a:rPr lang="en-US" sz="1400" dirty="0"/>
+              <a:t>-field [x empty])    </a:t>
+            </a:r>
           </a:p>
           <a:p>
             <a:pPr>
@@ -9208,8 +8983,16 @@
               </a:spcBef>
             </a:pPr>
             <a:r>
-              <a:rPr lang="en-US" sz="1800" dirty="0"/>
-              <a:t>    (define/public (move-right)</a:t>
+              <a:rPr lang="en-US" sz="1400" dirty="0"/>
+              <a:t>    ;; </a:t>
+            </a:r>
+            <a:r>
+              <a:rPr lang="en-US" sz="1400" dirty="0" err="1"/>
+              <a:t>Interp</a:t>
+            </a:r>
+            <a:r>
+              <a:rPr lang="en-US" sz="1400" dirty="0"/>
+              <a:t>:</a:t>
             </a:r>
           </a:p>
           <a:p>
@@ -9219,24 +9002,8 @@
               </a:spcBef>
             </a:pPr>
             <a:r>
-              <a:rPr lang="en-US" sz="1800" dirty="0"/>
-              <a:t>      (new </a:t>
-            </a:r>
-            <a:r>
-              <a:rPr lang="en-US" sz="1800" dirty="0" smtClean="0"/>
-              <a:t>Robot4% </a:t>
-            </a:r>
-            <a:r>
-              <a:rPr lang="en-US" sz="1800" dirty="0"/>
-              <a:t>[x (cons </a:t>
-            </a:r>
-            <a:r>
-              <a:rPr lang="en-US" sz="1800" dirty="0" smtClean="0"/>
-              <a:t>99 </a:t>
-            </a:r>
-            <a:r>
-              <a:rPr lang="en-US" sz="1800" dirty="0"/>
-              <a:t>x)]))</a:t>
+              <a:rPr lang="en-US" sz="1400" dirty="0"/>
+              <a:t>    ;; a list whose length is equal to the position </a:t>
             </a:r>
           </a:p>
           <a:p>
@@ -9245,7 +9012,10 @@
                 <a:spcPts val="0"/>
               </a:spcBef>
             </a:pPr>
-            <a:endParaRPr lang="en-US" sz="1800" dirty="0" smtClean="0"/>
+            <a:r>
+              <a:rPr lang="en-US" sz="1400" dirty="0"/>
+              <a:t>    ;; of the robot</a:t>
+            </a:r>
           </a:p>
           <a:p>
             <a:pPr>
@@ -9254,12 +9024,8 @@
               </a:spcBef>
             </a:pPr>
             <a:r>
-              <a:rPr lang="en-US" sz="1800" dirty="0" smtClean="0"/>
-              <a:t>    ;; </a:t>
-            </a:r>
-            <a:r>
-              <a:rPr lang="en-US" sz="1800" dirty="0"/>
-              <a:t>RETURNS: the x-position of the robot</a:t>
+              <a:rPr lang="en-US" sz="1400" dirty="0"/>
+              <a:t>    </a:t>
             </a:r>
           </a:p>
           <a:p>
@@ -9269,16 +9035,8 @@
               </a:spcBef>
             </a:pPr>
             <a:r>
-              <a:rPr lang="en-US" sz="1800" dirty="0"/>
-              <a:t>    (define/public (get-</a:t>
-            </a:r>
-            <a:r>
-              <a:rPr lang="en-US" sz="1800" dirty="0" err="1"/>
-              <a:t>pos</a:t>
-            </a:r>
-            <a:r>
-              <a:rPr lang="en-US" sz="1800" dirty="0"/>
-              <a:t>)</a:t>
+              <a:rPr lang="en-US" sz="1400" dirty="0"/>
+              <a:t>    (super-new)</a:t>
             </a:r>
           </a:p>
           <a:p>
@@ -9287,31 +9045,7 @@
                 <a:spcPts val="0"/>
               </a:spcBef>
             </a:pPr>
-            <a:r>
-              <a:rPr lang="en-US" sz="1800" dirty="0"/>
-              <a:t>      </a:t>
-            </a:r>
-            <a:r>
-              <a:rPr lang="en-US" sz="1800" dirty="0">
-                <a:solidFill>
-                  <a:srgbClr val="FF0000"/>
-                </a:solidFill>
-              </a:rPr>
-              <a:t>(length x</a:t>
-            </a:r>
-            <a:r>
-              <a:rPr lang="en-US" sz="1800" dirty="0" smtClean="0">
-                <a:solidFill>
-                  <a:srgbClr val="FF0000"/>
-                </a:solidFill>
-              </a:rPr>
-              <a:t>)</a:t>
-            </a:r>
-            <a:r>
-              <a:rPr lang="en-US" sz="1800" dirty="0" smtClean="0"/>
-              <a:t>)</a:t>
-            </a:r>
-            <a:endParaRPr lang="en-US" sz="1800" dirty="0"/>
+            <a:endParaRPr lang="en-US" sz="1400" dirty="0"/>
           </a:p>
           <a:p>
             <a:pPr>
@@ -9319,7 +9053,10 @@
                 <a:spcPts val="0"/>
               </a:spcBef>
             </a:pPr>
-            <a:endParaRPr lang="en-US" sz="1800" dirty="0"/>
+            <a:r>
+              <a:rPr lang="en-US" sz="1400" dirty="0"/>
+              <a:t>    (define/public (move-right)</a:t>
+            </a:r>
           </a:p>
           <a:p>
             <a:pPr>
@@ -9328,7 +9065,87 @@
               </a:spcBef>
             </a:pPr>
             <a:r>
-              <a:rPr lang="en-US" sz="1800" dirty="0"/>
+              <a:rPr lang="en-US" sz="1400" dirty="0"/>
+              <a:t>      (new Robot4% [x (cons 99 x)]))</a:t>
+            </a:r>
+          </a:p>
+          <a:p>
+            <a:pPr>
+              <a:spcBef>
+                <a:spcPts val="0"/>
+              </a:spcBef>
+            </a:pPr>
+            <a:endParaRPr lang="en-US" sz="1400" dirty="0"/>
+          </a:p>
+          <a:p>
+            <a:pPr>
+              <a:spcBef>
+                <a:spcPts val="0"/>
+              </a:spcBef>
+            </a:pPr>
+            <a:r>
+              <a:rPr lang="en-US" sz="1400" dirty="0"/>
+              <a:t>    ;; RETURNS: the x-position of the robot</a:t>
+            </a:r>
+          </a:p>
+          <a:p>
+            <a:pPr>
+              <a:spcBef>
+                <a:spcPts val="0"/>
+              </a:spcBef>
+            </a:pPr>
+            <a:r>
+              <a:rPr lang="en-US" sz="1400" dirty="0"/>
+              <a:t>    (define/public (get-</a:t>
+            </a:r>
+            <a:r>
+              <a:rPr lang="en-US" sz="1400" dirty="0" err="1"/>
+              <a:t>pos</a:t>
+            </a:r>
+            <a:r>
+              <a:rPr lang="en-US" sz="1400" dirty="0"/>
+              <a:t>)</a:t>
+            </a:r>
+          </a:p>
+          <a:p>
+            <a:pPr>
+              <a:spcBef>
+                <a:spcPts val="0"/>
+              </a:spcBef>
+            </a:pPr>
+            <a:r>
+              <a:rPr lang="en-US" sz="1400" dirty="0"/>
+              <a:t>      </a:t>
+            </a:r>
+            <a:r>
+              <a:rPr lang="en-US" sz="1400" dirty="0">
+                <a:solidFill>
+                  <a:srgbClr val="FF0000"/>
+                </a:solidFill>
+              </a:rPr>
+              <a:t>(length x)</a:t>
+            </a:r>
+            <a:r>
+              <a:rPr lang="en-US" sz="1400" dirty="0"/>
+              <a:t>) </a:t>
+            </a:r>
+          </a:p>
+          <a:p>
+            <a:pPr>
+              <a:spcBef>
+                <a:spcPts val="0"/>
+              </a:spcBef>
+            </a:pPr>
+            <a:endParaRPr lang="en-US" sz="1400" dirty="0"/>
+          </a:p>
+          <a:p>
+            <a:pPr>
+              <a:spcBef>
+                <a:spcPts val="0"/>
+              </a:spcBef>
+            </a:pPr>
+            <a:r>
+              <a:rPr lang="en-US" sz="1400" dirty="0"/>
               <a:t>    ))</a:t>
             </a:r>
           </a:p>
@@ -9342,19 +9159,21 @@
         </p:nvSpPr>
         <p:spPr>
           <a:xfrm>
-            <a:off x="6169794" y="3380281"/>
-            <a:ext cx="2740675" cy="2745881"/>
+            <a:off x="6141219" y="1628775"/>
+            <a:ext cx="2740675" cy="4564061"/>
           </a:xfrm>
           <a:prstGeom prst="rect">
             <a:avLst/>
           </a:prstGeom>
           <a:solidFill>
-            <a:schemeClr val="accent3">
-              <a:lumMod val="40000"/>
-              <a:lumOff val="60000"/>
+            <a:schemeClr val="accent1">
+              <a:lumMod val="20000"/>
+              <a:lumOff val="80000"/>
             </a:schemeClr>
           </a:solidFill>
-          <a:ln/>
+          <a:ln>
+            <a:noFill/>
+          </a:ln>
         </p:spPr>
         <p:style>
           <a:lnRef idx="2">
@@ -9380,15 +9199,15 @@
           <a:lstStyle/>
           <a:p>
             <a:r>
-              <a:rPr lang="en-US" sz="2000" dirty="0" smtClean="0">
+              <a:rPr lang="en-US" sz="2000" dirty="0">
                 <a:solidFill>
                   <a:schemeClr val="tx1"/>
                 </a:solidFill>
               </a:rPr>
-              <a:t>Puzzle: the other two implementations would work fine if we had a </a:t>
-            </a:r>
-            <a:r>
-              <a:rPr lang="en-US" sz="2000" b="1" dirty="0" smtClean="0">
+              <a:t>Puzzle: the other three implementations would work fine if we had a </a:t>
+            </a:r>
+            <a:r>
+              <a:rPr lang="en-US" sz="2000" b="1" dirty="0">
                 <a:solidFill>
                   <a:schemeClr val="tx1"/>
                 </a:solidFill>
@@ -9396,7 +9215,7 @@
               <a:t>move-left</a:t>
             </a:r>
             <a:r>
-              <a:rPr lang="en-US" sz="2000" dirty="0" smtClean="0">
+              <a:rPr lang="en-US" sz="2000" dirty="0">
                 <a:solidFill>
                   <a:schemeClr val="tx1"/>
                 </a:solidFill>
@@ -9404,7 +9223,7 @@
               <a:t> method as well as </a:t>
             </a:r>
             <a:r>
-              <a:rPr lang="en-US" sz="2000" b="1" dirty="0" smtClean="0">
+              <a:rPr lang="en-US" sz="2000" b="1" dirty="0">
                 <a:solidFill>
                   <a:schemeClr val="tx1"/>
                 </a:solidFill>
@@ -9412,7 +9231,7 @@
               <a:t>move-right</a:t>
             </a:r>
             <a:r>
-              <a:rPr lang="en-US" sz="2000" dirty="0" smtClean="0">
+              <a:rPr lang="en-US" sz="2000" dirty="0">
                 <a:solidFill>
                   <a:schemeClr val="tx1"/>
                 </a:solidFill>
@@ -9420,7 +9239,7 @@
               <a:t>.  How could you modify this implementation to handle </a:t>
             </a:r>
             <a:r>
-              <a:rPr lang="en-US" sz="2000" b="1" dirty="0" smtClean="0">
+              <a:rPr lang="en-US" sz="2000" b="1" dirty="0">
                 <a:solidFill>
                   <a:schemeClr val="tx1"/>
                 </a:solidFill>
@@ -9428,12 +9247,22 @@
               <a:t>move-left</a:t>
             </a:r>
             <a:r>
-              <a:rPr lang="en-US" sz="2000" dirty="0" smtClean="0">
+              <a:rPr lang="en-US" sz="2000" dirty="0">
                 <a:solidFill>
                   <a:schemeClr val="tx1"/>
                 </a:solidFill>
               </a:rPr>
               <a:t>?</a:t>
+            </a:r>
+          </a:p>
+          <a:p>
+            <a:r>
+              <a:rPr lang="en-US" sz="2000" dirty="0">
+                <a:solidFill>
+                  <a:schemeClr val="tx1"/>
+                </a:solidFill>
+              </a:rPr>
+              <a:t>How would you change the contracts and purpose statements of the other implementations to accommodate this change?</a:t>
             </a:r>
           </a:p>
         </p:txBody>
@@ -9448,13 +9277,6 @@
   <p:clrMapOvr>
     <a:masterClrMapping/>
   </p:clrMapOvr>
-  <p:timing>
-    <p:tnLst>
-      <p:par>
-        <p:cTn id="1" dur="indefinite" restart="never" nodeType="tmRoot"/>
-      </p:par>
-    </p:tnLst>
-  </p:timing>
 </p:sld>
 </file>
 
@@ -9749,12 +9571,14 @@
     <a:spDef>
       <a:spPr>
         <a:solidFill>
-          <a:schemeClr val="accent3">
-            <a:lumMod val="40000"/>
-            <a:lumOff val="60000"/>
+          <a:schemeClr val="accent1">
+            <a:lumMod val="20000"/>
+            <a:lumOff val="80000"/>
           </a:schemeClr>
         </a:solidFill>
-        <a:ln/>
+        <a:ln>
+          <a:noFill/>
+        </a:ln>
       </a:spPr>
       <a:bodyPr rot="0" spcFirstLastPara="0" vertOverflow="overflow" horzOverflow="overflow" vert="horz" wrap="square" lIns="91440" tIns="45720" rIns="91440" bIns="45720" numCol="1" spcCol="0" rtlCol="0" fromWordArt="0" anchor="ctr" anchorCtr="0" forceAA="0" compatLnSpc="1">
         <a:prstTxWarp prst="textNoShape">
@@ -9764,7 +9588,7 @@
       </a:bodyPr>
       <a:lstStyle>
         <a:defPPr>
-          <a:defRPr dirty="0">
+          <a:defRPr sz="2000" dirty="0" smtClean="0">
             <a:solidFill>
               <a:schemeClr val="tx1"/>
             </a:solidFill>

--- a/Slides/Lesson 9.4 Testing Simple Objects.pptx
+++ b/Slides/Lesson 9.4 Testing Simple Objects.pptx
@@ -232,7 +232,7 @@
           <a:p>
             <a:fld id="{36D53524-F9CC-4A8B-8CCD-2FA372311425}" type="datetimeFigureOut">
               <a:rPr lang="en-US" smtClean="0"/>
-              <a:t>11/2/2016</a:t>
+              <a:t>11/9/2016</a:t>
             </a:fld>
             <a:endParaRPr lang="en-US"/>
           </a:p>
@@ -762,7 +762,7 @@
           <a:p>
             <a:fld id="{2F1F79F5-7BEC-496A-AFC7-876E38F64D71}" type="datetime1">
               <a:rPr lang="en-US" smtClean="0"/>
-              <a:t>11/2/2016</a:t>
+              <a:t>11/9/2016</a:t>
             </a:fld>
             <a:endParaRPr lang="en-US"/>
           </a:p>
@@ -879,7 +879,7 @@
           <a:p>
             <a:fld id="{2F7B77F5-1464-4F6B-92A8-64FC8A508293}" type="datetime1">
               <a:rPr lang="en-US" smtClean="0"/>
-              <a:t>11/2/2016</a:t>
+              <a:t>11/9/2016</a:t>
             </a:fld>
             <a:endParaRPr lang="en-US"/>
           </a:p>
@@ -974,7 +974,7 @@
           <a:p>
             <a:fld id="{0A05703A-7669-4FEA-9056-25299B4D29D4}" type="datetime1">
               <a:rPr lang="en-US" smtClean="0"/>
-              <a:t>11/2/2016</a:t>
+              <a:t>11/9/2016</a:t>
             </a:fld>
             <a:endParaRPr lang="en-US"/>
           </a:p>
@@ -1249,7 +1249,7 @@
           <a:p>
             <a:fld id="{6E5077B5-BB57-49DB-88CA-226A139E5C01}" type="datetime1">
               <a:rPr lang="en-US" smtClean="0"/>
-              <a:t>11/2/2016</a:t>
+              <a:t>11/9/2016</a:t>
             </a:fld>
             <a:endParaRPr lang="en-US"/>
           </a:p>
@@ -1501,7 +1501,7 @@
           <a:p>
             <a:fld id="{C48D9447-CBD6-49A1-89FD-8512A8CF8999}" type="datetime1">
               <a:rPr lang="en-US" smtClean="0"/>
-              <a:t>11/2/2016</a:t>
+              <a:t>11/9/2016</a:t>
             </a:fld>
             <a:endParaRPr lang="en-US"/>
           </a:p>
@@ -1669,7 +1669,7 @@
           <a:p>
             <a:fld id="{A3639A2A-823D-48B7-9ACE-7FAF42870BA9}" type="datetime1">
               <a:rPr lang="en-US" smtClean="0"/>
-              <a:t>11/2/2016</a:t>
+              <a:t>11/9/2016</a:t>
             </a:fld>
             <a:endParaRPr lang="en-US"/>
           </a:p>
@@ -1847,7 +1847,7 @@
           <a:p>
             <a:fld id="{ED1B6996-82E9-463C-972C-7B56056E426C}" type="datetime1">
               <a:rPr lang="en-US" smtClean="0"/>
-              <a:t>11/2/2016</a:t>
+              <a:t>11/9/2016</a:t>
             </a:fld>
             <a:endParaRPr lang="en-US"/>
           </a:p>
@@ -2021,7 +2021,7 @@
           <a:p>
             <a:fld id="{E22ED4DA-448D-4BB1-B935-CC112220207B}" type="datetime1">
               <a:rPr lang="en-US" smtClean="0"/>
-              <a:t>11/2/2016</a:t>
+              <a:t>11/9/2016</a:t>
             </a:fld>
             <a:endParaRPr lang="en-US"/>
           </a:p>
@@ -2194,7 +2194,7 @@
           <a:p>
             <a:fld id="{E22ED4DA-448D-4BB1-B935-CC112220207B}" type="datetime1">
               <a:rPr lang="en-US" smtClean="0"/>
-              <a:t>11/2/2016</a:t>
+              <a:t>11/9/2016</a:t>
             </a:fld>
             <a:endParaRPr lang="en-US"/>
           </a:p>
@@ -2454,7 +2454,7 @@
           <a:p>
             <a:fld id="{FF5D65A6-AB94-4435-B0B7-3743215FA46C}" type="datetime1">
               <a:rPr lang="en-US" smtClean="0"/>
-              <a:t>11/2/2016</a:t>
+              <a:t>11/9/2016</a:t>
             </a:fld>
             <a:endParaRPr lang="en-US"/>
           </a:p>
@@ -2630,7 +2630,7 @@
           <a:p>
             <a:fld id="{FF5D65A6-AB94-4435-B0B7-3743215FA46C}" type="datetime1">
               <a:rPr lang="en-US" smtClean="0"/>
-              <a:t>11/2/2016</a:t>
+              <a:t>11/9/2016</a:t>
             </a:fld>
             <a:endParaRPr lang="en-US"/>
           </a:p>
@@ -2924,7 +2924,7 @@
           <a:p>
             <a:fld id="{7C193DC4-6EF0-48C9-B29C-616106A645E1}" type="datetime1">
               <a:rPr lang="en-US" smtClean="0"/>
-              <a:t>11/2/2016</a:t>
+              <a:t>11/9/2016</a:t>
             </a:fld>
             <a:endParaRPr lang="en-US"/>
           </a:p>
@@ -3209,7 +3209,7 @@
           <a:p>
             <a:fld id="{5D1846AD-9252-4647-9435-4C2AC365653A}" type="datetime1">
               <a:rPr lang="en-US" smtClean="0"/>
-              <a:t>11/2/2016</a:t>
+              <a:t>11/9/2016</a:t>
             </a:fld>
             <a:endParaRPr lang="en-US"/>
           </a:p>
@@ -3502,7 +3502,7 @@
           <a:p>
             <a:fld id="{5D1846AD-9252-4647-9435-4C2AC365653A}" type="datetime1">
               <a:rPr lang="en-US" smtClean="0"/>
-              <a:t>11/2/2016</a:t>
+              <a:t>11/9/2016</a:t>
             </a:fld>
             <a:endParaRPr lang="en-US"/>
           </a:p>
@@ -3921,7 +3921,7 @@
           <a:p>
             <a:fld id="{CE56DC10-3561-4063-A6AF-C1CC7A41040A}" type="datetime1">
               <a:rPr lang="en-US" smtClean="0"/>
-              <a:t>11/2/2016</a:t>
+              <a:t>11/9/2016</a:t>
             </a:fld>
             <a:endParaRPr lang="en-US"/>
           </a:p>
@@ -4144,7 +4144,7 @@
           <a:p>
             <a:fld id="{02B3F677-983B-48DB-ADFD-63FE6CBC7FB2}" type="datetime1">
               <a:rPr lang="en-US" smtClean="0"/>
-              <a:t>11/2/2016</a:t>
+              <a:t>11/9/2016</a:t>
             </a:fld>
             <a:endParaRPr lang="en-US"/>
           </a:p>
@@ -5333,7 +5333,7 @@
         <p:spPr>
           <a:xfrm>
             <a:off x="271851" y="4930233"/>
-            <a:ext cx="3616657" cy="1569660"/>
+            <a:ext cx="3616657" cy="1200329"/>
           </a:xfrm>
           <a:prstGeom prst="rect">
             <a:avLst/>
@@ -5374,7 +5374,15 @@
             <a:pPr algn="l"/>
             <a:r>
               <a:rPr lang="en-US" sz="2400" dirty="0"/>
-              <a:t>This works with ANY object whose class that implements </a:t>
+              <a:t>This works with ANY object </a:t>
+            </a:r>
+            <a:r>
+              <a:rPr lang="en-US" sz="2400"/>
+              <a:t>whose class </a:t>
+            </a:r>
+            <a:r>
+              <a:rPr lang="en-US" sz="2400" dirty="0"/>
+              <a:t>implements </a:t>
             </a:r>
             <a:r>
               <a:rPr lang="en-US" sz="2400" dirty="0" err="1"/>
